--- a/c-kasir/Kasir.pptx
+++ b/c-kasir/Kasir.pptx
@@ -5,11 +5,12 @@
     <p:sldMasterId id="2147483648" r:id="rId1"/>
   </p:sldMasterIdLst>
   <p:notesMasterIdLst>
-    <p:notesMasterId r:id="rId6"/>
+    <p:notesMasterId r:id="rId7"/>
   </p:notesMasterIdLst>
   <p:sldIdLst>
     <p:sldId id="256" r:id="rId4"/>
     <p:sldId id="257" r:id="rId5"/>
+    <p:sldId id="258" r:id="rId6"/>
   </p:sldIdLst>
   <p:sldSz cx="12192000" cy="6858000"/>
   <p:notesSz cx="6858000" cy="9144000"/>
@@ -614,10 +615,6 @@
             <a:pPr>
               <a:defRPr/>
             </a:pPr>
-            <a:r>
-              <a:rPr/>
-              <a:t>Gk kelihatan</a:t>
-            </a:r>
             <a:endParaRPr/>
           </a:p>
         </p:txBody>
@@ -641,6 +638,92 @@
               <a:defRPr/>
             </a:pPr>
             <a:fld id="{E6696288-09E3-56A7-2D15-91F1B30ED5D4}" type="slidenum">
+              <a:rPr/>
+              <a:t/>
+            </a:fld>
+            <a:endParaRPr/>
+          </a:p>
+        </p:txBody>
+      </p:sp>
+    </p:spTree>
+  </p:cSld>
+</p:notes>
+</file>
+
+<file path=ppt/notesSlides/notesSlide3.xml><?xml version="1.0" encoding="utf-8"?>
+<p:notes xmlns:a="http://schemas.openxmlformats.org/drawingml/2006/main" xmlns:r="http://schemas.openxmlformats.org/officeDocument/2006/relationships" xmlns:p="http://schemas.openxmlformats.org/presentationml/2006/main" xmlns:m="http://schemas.openxmlformats.org/officeDocument/2006/math" xmlns:w="http://schemas.openxmlformats.org/wordprocessingml/2006/main">
+  <p:cSld name="">
+    <p:spTree>
+      <p:nvGrpSpPr>
+        <p:cNvPr id="1" name=""/>
+        <p:cNvGrpSpPr/>
+        <p:nvPr/>
+      </p:nvGrpSpPr>
+      <p:grpSpPr bwMode="auto">
+        <a:xfrm>
+          <a:off x="0" y="0"/>
+          <a:ext cx="0" cy="0"/>
+          <a:chOff x="0" y="0"/>
+          <a:chExt cx="0" cy="0"/>
+        </a:xfrm>
+      </p:grpSpPr>
+      <p:sp>
+        <p:nvSpPr>
+          <p:cNvPr id="388967368" name="Slide Image Placeholder 1"/>
+          <p:cNvSpPr>
+            <a:spLocks noChangeAspect="1" noGrp="1" noRot="1"/>
+          </p:cNvSpPr>
+          <p:nvPr>
+            <p:ph type="sldImg"/>
+          </p:nvPr>
+        </p:nvSpPr>
+        <p:spPr bwMode="auto"/>
+      </p:sp>
+      <p:sp>
+        <p:nvSpPr>
+          <p:cNvPr id="466614793" name="Notes Placeholder 2"/>
+          <p:cNvSpPr>
+            <a:spLocks noGrp="1"/>
+          </p:cNvSpPr>
+          <p:nvPr>
+            <p:ph type="body" idx="1"/>
+          </p:nvPr>
+        </p:nvSpPr>
+        <p:spPr bwMode="auto"/>
+        <p:txBody>
+          <a:bodyPr/>
+          <a:lstStyle/>
+          <a:p>
+            <a:pPr>
+              <a:defRPr/>
+            </a:pPr>
+            <a:r>
+              <a:rPr/>
+              <a:t>Dibagi 2</a:t>
+            </a:r>
+            <a:endParaRPr/>
+          </a:p>
+        </p:txBody>
+      </p:sp>
+      <p:sp>
+        <p:nvSpPr>
+          <p:cNvPr id="180803163" name="Slide Number Placeholder 3"/>
+          <p:cNvSpPr>
+            <a:spLocks noGrp="1"/>
+          </p:cNvSpPr>
+          <p:nvPr>
+            <p:ph type="sldNum" sz="quarter" idx="10"/>
+          </p:nvPr>
+        </p:nvSpPr>
+        <p:spPr bwMode="auto"/>
+        <p:txBody>
+          <a:bodyPr/>
+          <a:lstStyle/>
+          <a:p>
+            <a:pPr>
+              <a:defRPr/>
+            </a:pPr>
+            <a:fld id="{902C1287-88DF-1BCA-DD59-DC370B6E2E58}" type="slidenum">
               <a:rPr/>
               <a:t/>
             </a:fld>
@@ -1046,7 +1129,7 @@
               <p:nvPr/>
             </p:nvSpPr>
             <p:spPr bwMode="auto">
-              <a:xfrm rot="16199999" flipH="1" flipV="1">
+              <a:xfrm rot="16199998" flipH="1" flipV="1">
                 <a:off x="24625" y="-4746"/>
                 <a:ext cx="2819399" cy="2828891"/>
               </a:xfrm>
@@ -1096,7 +1179,7 @@
               <p:nvPr/>
             </p:nvSpPr>
             <p:spPr bwMode="auto">
-              <a:xfrm rot="16199999" flipH="1" flipV="1">
+              <a:xfrm rot="16199998" flipH="1" flipV="1">
                 <a:off x="4418" y="-4422"/>
                 <a:ext cx="2627088" cy="2635933"/>
               </a:xfrm>
@@ -1149,7 +1232,7 @@
               <p:nvPr/>
             </p:nvSpPr>
             <p:spPr bwMode="auto">
-              <a:xfrm rot="16199999" flipH="1" flipV="1">
+              <a:xfrm rot="16199998" flipH="1" flipV="1">
                 <a:off x="-12263" y="-4034"/>
                 <a:ext cx="2397087" cy="2405158"/>
               </a:xfrm>
@@ -2122,7 +2205,7 @@
           <p:nvPr userDrawn="1"/>
         </p:nvSpPr>
         <p:spPr bwMode="auto">
-          <a:xfrm rot="16199999" flipV="1">
+          <a:xfrm rot="16199998" flipV="1">
             <a:off x="2964809" y="-2364446"/>
             <a:ext cx="6862744" cy="11591639"/>
           </a:xfrm>
@@ -2270,7 +2353,7 @@
           <p:nvPr userDrawn="1"/>
         </p:nvSpPr>
         <p:spPr bwMode="auto">
-          <a:xfrm rot="16199999" flipV="1">
+          <a:xfrm rot="16199998" flipV="1">
             <a:off x="2664629" y="-2664627"/>
             <a:ext cx="6862744" cy="12192000"/>
           </a:xfrm>
@@ -2416,7 +2499,7 @@
           <p:nvPr userDrawn="1"/>
         </p:nvSpPr>
         <p:spPr bwMode="auto">
-          <a:xfrm rot="16199999" flipV="1">
+          <a:xfrm rot="16199998" flipV="1">
             <a:off x="2664628" y="-2664627"/>
             <a:ext cx="6862744" cy="12192000"/>
           </a:xfrm>
@@ -2600,7 +2683,7 @@
           <p:nvPr userDrawn="1"/>
         </p:nvGrpSpPr>
         <p:grpSpPr bwMode="auto">
-          <a:xfrm rot="16199999">
+          <a:xfrm rot="16199998">
             <a:off x="499387" y="-322655"/>
             <a:ext cx="535531" cy="645308"/>
             <a:chOff x="10945855" y="7317025"/>
@@ -3482,7 +3565,7 @@
           <p:nvPr userDrawn="1"/>
         </p:nvSpPr>
         <p:spPr bwMode="auto">
-          <a:xfrm rot="16199999" flipV="1">
+          <a:xfrm rot="16199998" flipV="1">
             <a:off x="2964809" y="-2364446"/>
             <a:ext cx="6862744" cy="11591639"/>
           </a:xfrm>
@@ -3630,7 +3713,7 @@
           <p:nvPr userDrawn="1"/>
         </p:nvSpPr>
         <p:spPr bwMode="auto">
-          <a:xfrm rot="16199999" flipV="1">
+          <a:xfrm rot="16199998" flipV="1">
             <a:off x="2664629" y="-2664627"/>
             <a:ext cx="6862744" cy="12192000"/>
           </a:xfrm>
@@ -3776,7 +3859,7 @@
           <p:nvPr userDrawn="1"/>
         </p:nvSpPr>
         <p:spPr bwMode="auto">
-          <a:xfrm rot="16199999" flipV="1">
+          <a:xfrm rot="16199998" flipV="1">
             <a:off x="2664628" y="-2664627"/>
             <a:ext cx="6862744" cy="12192000"/>
           </a:xfrm>
@@ -3960,7 +4043,7 @@
           <p:nvPr userDrawn="1"/>
         </p:nvGrpSpPr>
         <p:grpSpPr bwMode="auto">
-          <a:xfrm rot="16199999">
+          <a:xfrm rot="16199998">
             <a:off x="499387" y="-322655"/>
             <a:ext cx="535531" cy="645308"/>
             <a:chOff x="10945855" y="7317025"/>
@@ -5631,7 +5714,7 @@
           <p:nvPr userDrawn="1"/>
         </p:nvSpPr>
         <p:spPr bwMode="auto">
-          <a:xfrm rot="16199999" flipV="1">
+          <a:xfrm rot="16199998" flipV="1">
             <a:off x="2964809" y="-2364446"/>
             <a:ext cx="6862744" cy="11591639"/>
           </a:xfrm>
@@ -5779,7 +5862,7 @@
           <p:nvPr userDrawn="1"/>
         </p:nvSpPr>
         <p:spPr bwMode="auto">
-          <a:xfrm rot="16199999" flipV="1">
+          <a:xfrm rot="16199998" flipV="1">
             <a:off x="2664629" y="-2664627"/>
             <a:ext cx="6862744" cy="12192000"/>
           </a:xfrm>
@@ -5925,7 +6008,7 @@
           <p:nvPr userDrawn="1"/>
         </p:nvSpPr>
         <p:spPr bwMode="auto">
-          <a:xfrm rot="16199999" flipV="1">
+          <a:xfrm rot="16199998" flipV="1">
             <a:off x="2664628" y="-2664627"/>
             <a:ext cx="6862744" cy="12192000"/>
           </a:xfrm>
@@ -6109,7 +6192,7 @@
           <p:nvPr userDrawn="1"/>
         </p:nvGrpSpPr>
         <p:grpSpPr bwMode="auto">
-          <a:xfrm rot="16199999">
+          <a:xfrm rot="16199998">
             <a:off x="499387" y="-322655"/>
             <a:ext cx="535531" cy="645308"/>
             <a:chOff x="10945855" y="7317025"/>
@@ -7124,7 +7207,7 @@
           <p:nvPr userDrawn="1"/>
         </p:nvSpPr>
         <p:spPr bwMode="auto">
-          <a:xfrm rot="16199999" flipV="1">
+          <a:xfrm rot="16199998" flipV="1">
             <a:off x="2964809" y="-2364446"/>
             <a:ext cx="6862744" cy="11591639"/>
           </a:xfrm>
@@ -7272,7 +7355,7 @@
           <p:nvPr userDrawn="1"/>
         </p:nvSpPr>
         <p:spPr bwMode="auto">
-          <a:xfrm rot="16199999" flipV="1">
+          <a:xfrm rot="16199998" flipV="1">
             <a:off x="2664629" y="-2664627"/>
             <a:ext cx="6862744" cy="12192000"/>
           </a:xfrm>
@@ -7418,7 +7501,7 @@
           <p:nvPr userDrawn="1"/>
         </p:nvSpPr>
         <p:spPr bwMode="auto">
-          <a:xfrm rot="16199999" flipV="1">
+          <a:xfrm rot="16199998" flipV="1">
             <a:off x="2664628" y="-2664627"/>
             <a:ext cx="6862744" cy="12192000"/>
           </a:xfrm>
@@ -7602,7 +7685,7 @@
           <p:nvPr userDrawn="1"/>
         </p:nvGrpSpPr>
         <p:grpSpPr bwMode="auto">
-          <a:xfrm rot="16199999">
+          <a:xfrm rot="16199998">
             <a:off x="499387" y="-322655"/>
             <a:ext cx="535531" cy="645308"/>
             <a:chOff x="10945855" y="7317025"/>
@@ -8403,7 +8486,7 @@
           <p:nvPr userDrawn="1"/>
         </p:nvSpPr>
         <p:spPr bwMode="auto">
-          <a:xfrm rot="16199999" flipV="1">
+          <a:xfrm rot="16199998" flipV="1">
             <a:off x="2964809" y="-2364446"/>
             <a:ext cx="6862744" cy="11591639"/>
           </a:xfrm>
@@ -8551,7 +8634,7 @@
           <p:nvPr userDrawn="1"/>
         </p:nvSpPr>
         <p:spPr bwMode="auto">
-          <a:xfrm rot="16199999" flipV="1">
+          <a:xfrm rot="16199998" flipV="1">
             <a:off x="2664629" y="-2664627"/>
             <a:ext cx="6862744" cy="12192000"/>
           </a:xfrm>
@@ -8697,7 +8780,7 @@
           <p:nvPr userDrawn="1"/>
         </p:nvSpPr>
         <p:spPr bwMode="auto">
-          <a:xfrm rot="16199999" flipV="1">
+          <a:xfrm rot="16199998" flipV="1">
             <a:off x="2664628" y="-2664627"/>
             <a:ext cx="6862744" cy="12192000"/>
           </a:xfrm>
@@ -8881,7 +8964,7 @@
           <p:nvPr userDrawn="1"/>
         </p:nvGrpSpPr>
         <p:grpSpPr bwMode="auto">
-          <a:xfrm rot="16199999">
+          <a:xfrm rot="16199998">
             <a:off x="499387" y="-322655"/>
             <a:ext cx="535531" cy="645308"/>
             <a:chOff x="10945855" y="7317025"/>
@@ -9679,7 +9762,7 @@
           <p:nvPr userDrawn="1"/>
         </p:nvSpPr>
         <p:spPr bwMode="auto">
-          <a:xfrm rot="16199999" flipV="1">
+          <a:xfrm rot="16199998" flipV="1">
             <a:off x="2964809" y="-2364446"/>
             <a:ext cx="6862744" cy="11591639"/>
           </a:xfrm>
@@ -9827,7 +9910,7 @@
           <p:nvPr userDrawn="1"/>
         </p:nvSpPr>
         <p:spPr bwMode="auto">
-          <a:xfrm rot="16199999" flipV="1">
+          <a:xfrm rot="16199998" flipV="1">
             <a:off x="2664629" y="-2664627"/>
             <a:ext cx="6862744" cy="12192000"/>
           </a:xfrm>
@@ -9973,7 +10056,7 @@
           <p:nvPr userDrawn="1"/>
         </p:nvSpPr>
         <p:spPr bwMode="auto">
-          <a:xfrm rot="16199999" flipV="1">
+          <a:xfrm rot="16199998" flipV="1">
             <a:off x="2664628" y="-2664627"/>
             <a:ext cx="6862744" cy="12192000"/>
           </a:xfrm>
@@ -10157,7 +10240,7 @@
           <p:nvPr userDrawn="1"/>
         </p:nvGrpSpPr>
         <p:grpSpPr bwMode="auto">
-          <a:xfrm rot="16199999">
+          <a:xfrm rot="16199998">
             <a:off x="499387" y="-322655"/>
             <a:ext cx="535531" cy="645308"/>
             <a:chOff x="10945855" y="7317025"/>
@@ -10995,7 +11078,7 @@
           <p:nvPr userDrawn="1"/>
         </p:nvSpPr>
         <p:spPr bwMode="auto">
-          <a:xfrm rot="16199999" flipV="1">
+          <a:xfrm rot="16199998" flipV="1">
             <a:off x="2964809" y="-2364446"/>
             <a:ext cx="6862744" cy="11591639"/>
           </a:xfrm>
@@ -11143,7 +11226,7 @@
           <p:nvPr userDrawn="1"/>
         </p:nvSpPr>
         <p:spPr bwMode="auto">
-          <a:xfrm rot="16199999" flipV="1">
+          <a:xfrm rot="16199998" flipV="1">
             <a:off x="2664629" y="-2664627"/>
             <a:ext cx="6862744" cy="12192000"/>
           </a:xfrm>
@@ -11289,7 +11372,7 @@
           <p:nvPr userDrawn="1"/>
         </p:nvSpPr>
         <p:spPr bwMode="auto">
-          <a:xfrm rot="16199999" flipV="1">
+          <a:xfrm rot="16199998" flipV="1">
             <a:off x="2664628" y="-2664627"/>
             <a:ext cx="6862744" cy="12192000"/>
           </a:xfrm>
@@ -11431,7 +11514,7 @@
           <p:nvPr userDrawn="1"/>
         </p:nvGrpSpPr>
         <p:grpSpPr bwMode="auto">
-          <a:xfrm rot="16199999">
+          <a:xfrm rot="16199998">
             <a:off x="499387" y="-322655"/>
             <a:ext cx="535531" cy="645308"/>
             <a:chOff x="10945855" y="7317025"/>
@@ -12295,7 +12378,7 @@
             <p:nvPr userDrawn="1"/>
           </p:nvSpPr>
           <p:spPr bwMode="auto">
-            <a:xfrm rot="16199999" flipH="1" flipV="1">
+            <a:xfrm rot="16199998" flipH="1" flipV="1">
               <a:off x="4618" y="-8842"/>
               <a:ext cx="5904196" cy="5924073"/>
             </a:xfrm>
@@ -12345,7 +12428,7 @@
             <p:nvPr userDrawn="1"/>
           </p:nvSpPr>
           <p:spPr bwMode="auto">
-            <a:xfrm rot="16199999" flipH="1" flipV="1">
+            <a:xfrm rot="16199998" flipH="1" flipV="1">
               <a:off x="3941" y="-8164"/>
               <a:ext cx="5501471" cy="5519993"/>
             </a:xfrm>
@@ -12398,7 +12481,7 @@
             <p:nvPr userDrawn="1"/>
           </p:nvSpPr>
           <p:spPr bwMode="auto">
-            <a:xfrm rot="16199999" flipH="1" flipV="1">
+            <a:xfrm rot="16199998" flipH="1" flipV="1">
               <a:off x="3131" y="-7355"/>
               <a:ext cx="5019818" cy="5036720"/>
             </a:xfrm>
@@ -13572,7 +13655,7 @@
           <p:nvPr userDrawn="1"/>
         </p:nvSpPr>
         <p:spPr bwMode="auto">
-          <a:xfrm rot="16199999" flipV="1">
+          <a:xfrm rot="16199998" flipV="1">
             <a:off x="2626805" y="-2626805"/>
             <a:ext cx="6862743" cy="12116353"/>
           </a:xfrm>
@@ -13758,7 +13841,7 @@
           <p:nvPr userDrawn="1"/>
         </p:nvSpPr>
         <p:spPr bwMode="auto">
-          <a:xfrm rot="16199999" flipV="1">
+          <a:xfrm rot="16199998" flipV="1">
             <a:off x="2664628" y="-2664627"/>
             <a:ext cx="6862744" cy="12192000"/>
           </a:xfrm>
@@ -14284,7 +14367,7 @@
           <p:nvPr userDrawn="1"/>
         </p:nvGrpSpPr>
         <p:grpSpPr bwMode="auto">
-          <a:xfrm rot="16199999">
+          <a:xfrm rot="16199998">
             <a:off x="431651" y="-917359"/>
             <a:ext cx="1532001" cy="1826463"/>
             <a:chOff x="10800164" y="7142066"/>
@@ -14479,7 +14562,7 @@
           <p:nvPr userDrawn="1"/>
         </p:nvGrpSpPr>
         <p:grpSpPr bwMode="auto">
-          <a:xfrm rot="16199999">
+          <a:xfrm rot="16199998">
             <a:off x="1992859" y="-497210"/>
             <a:ext cx="818398" cy="986162"/>
             <a:chOff x="10945855" y="7317025"/>
@@ -14878,7 +14961,7 @@
           <p:nvPr userDrawn="1"/>
         </p:nvSpPr>
         <p:spPr bwMode="auto">
-          <a:xfrm rot="16199999" flipV="1">
+          <a:xfrm rot="16199998" flipV="1">
             <a:off x="2855762" y="-2473495"/>
             <a:ext cx="6862743" cy="11809733"/>
           </a:xfrm>
@@ -15019,7 +15102,7 @@
           <p:nvPr userDrawn="1"/>
         </p:nvSpPr>
         <p:spPr bwMode="auto">
-          <a:xfrm rot="16199999" flipV="1">
+          <a:xfrm rot="16199998" flipV="1">
             <a:off x="2626805" y="-2626805"/>
             <a:ext cx="6862743" cy="12116353"/>
           </a:xfrm>
@@ -15155,7 +15238,7 @@
           <p:nvPr userDrawn="1"/>
         </p:nvSpPr>
         <p:spPr bwMode="auto">
-          <a:xfrm rot="16199999" flipV="1">
+          <a:xfrm rot="16199998" flipV="1">
             <a:off x="2664629" y="-2664627"/>
             <a:ext cx="6862744" cy="12192000"/>
           </a:xfrm>
@@ -15696,7 +15779,7 @@
           <p:nvPr userDrawn="1"/>
         </p:nvGrpSpPr>
         <p:grpSpPr bwMode="auto">
-          <a:xfrm rot="16199999" flipH="1">
+          <a:xfrm rot="16199998" flipH="1">
             <a:off x="9913705" y="6257994"/>
             <a:ext cx="1052473" cy="1209445"/>
             <a:chOff x="10800165" y="7142066"/>
@@ -16095,7 +16178,7 @@
           <p:nvPr userDrawn="1"/>
         </p:nvSpPr>
         <p:spPr bwMode="auto">
-          <a:xfrm rot="16199999" flipV="1">
+          <a:xfrm rot="16199998" flipV="1">
             <a:off x="2855762" y="-2473495"/>
             <a:ext cx="6862743" cy="11809733"/>
           </a:xfrm>
@@ -16236,7 +16319,7 @@
           <p:nvPr userDrawn="1"/>
         </p:nvSpPr>
         <p:spPr bwMode="auto">
-          <a:xfrm rot="16199999" flipV="1">
+          <a:xfrm rot="16199998" flipV="1">
             <a:off x="2626805" y="-2626805"/>
             <a:ext cx="6862743" cy="12116353"/>
           </a:xfrm>
@@ -16372,7 +16455,7 @@
           <p:nvPr userDrawn="1"/>
         </p:nvSpPr>
         <p:spPr bwMode="auto">
-          <a:xfrm rot="16199999" flipV="1">
+          <a:xfrm rot="16199998" flipV="1">
             <a:off x="2664629" y="-2664627"/>
             <a:ext cx="6862744" cy="12192000"/>
           </a:xfrm>
@@ -16912,7 +16995,7 @@
           <p:nvPr userDrawn="1"/>
         </p:nvSpPr>
         <p:spPr bwMode="auto">
-          <a:xfrm rot="16199999" flipV="1">
+          <a:xfrm rot="16199998" flipV="1">
             <a:off x="2664628" y="-2664627"/>
             <a:ext cx="6862744" cy="12192000"/>
           </a:xfrm>
@@ -17136,7 +17219,7 @@
           <p:nvPr userDrawn="1"/>
         </p:nvGrpSpPr>
         <p:grpSpPr bwMode="auto">
-          <a:xfrm rot="16199999">
+          <a:xfrm rot="16199998">
             <a:off x="499387" y="-322655"/>
             <a:ext cx="535531" cy="645308"/>
             <a:chOff x="10945855" y="7317025"/>
@@ -17658,7 +17741,7 @@
           <p:nvPr userDrawn="1"/>
         </p:nvSpPr>
         <p:spPr bwMode="auto">
-          <a:xfrm rot="16199999" flipV="1">
+          <a:xfrm rot="16199998" flipV="1">
             <a:off x="2964809" y="-2364446"/>
             <a:ext cx="6862744" cy="11591639"/>
           </a:xfrm>
@@ -17806,7 +17889,7 @@
           <p:nvPr userDrawn="1"/>
         </p:nvSpPr>
         <p:spPr bwMode="auto">
-          <a:xfrm rot="16199999" flipV="1">
+          <a:xfrm rot="16199998" flipV="1">
             <a:off x="2664629" y="-2664627"/>
             <a:ext cx="6862744" cy="12192000"/>
           </a:xfrm>
@@ -17952,7 +18035,7 @@
           <p:nvPr userDrawn="1"/>
         </p:nvSpPr>
         <p:spPr bwMode="auto">
-          <a:xfrm rot="16199999" flipV="1">
+          <a:xfrm rot="16199998" flipV="1">
             <a:off x="2664628" y="-2664627"/>
             <a:ext cx="6862744" cy="12192000"/>
           </a:xfrm>
@@ -18136,7 +18219,7 @@
           <p:nvPr userDrawn="1"/>
         </p:nvGrpSpPr>
         <p:grpSpPr bwMode="auto">
-          <a:xfrm rot="16199999">
+          <a:xfrm rot="16199998">
             <a:off x="499387" y="-322655"/>
             <a:ext cx="535531" cy="645308"/>
             <a:chOff x="10945855" y="7317025"/>
@@ -18790,7 +18873,7 @@
           <p:nvPr userDrawn="1"/>
         </p:nvSpPr>
         <p:spPr bwMode="auto">
-          <a:xfrm rot="16199999" flipV="1">
+          <a:xfrm rot="16199998" flipV="1">
             <a:off x="2964809" y="-2364446"/>
             <a:ext cx="6862744" cy="11591639"/>
           </a:xfrm>
@@ -18938,7 +19021,7 @@
           <p:nvPr userDrawn="1"/>
         </p:nvSpPr>
         <p:spPr bwMode="auto">
-          <a:xfrm rot="16199999" flipV="1">
+          <a:xfrm rot="16199998" flipV="1">
             <a:off x="2664629" y="-2664627"/>
             <a:ext cx="6862744" cy="12192000"/>
           </a:xfrm>
@@ -19084,7 +19167,7 @@
           <p:nvPr userDrawn="1"/>
         </p:nvSpPr>
         <p:spPr bwMode="auto">
-          <a:xfrm rot="16199999" flipV="1">
+          <a:xfrm rot="16199998" flipV="1">
             <a:off x="2664628" y="-2664627"/>
             <a:ext cx="6862744" cy="12192000"/>
           </a:xfrm>
@@ -19268,7 +19351,7 @@
           <p:nvPr userDrawn="1"/>
         </p:nvGrpSpPr>
         <p:grpSpPr bwMode="auto">
-          <a:xfrm rot="16199999">
+          <a:xfrm rot="16199998">
             <a:off x="499387" y="-322655"/>
             <a:ext cx="535531" cy="645308"/>
             <a:chOff x="10945855" y="7317025"/>
@@ -19964,7 +20047,7 @@
           <p:nvPr userDrawn="1"/>
         </p:nvSpPr>
         <p:spPr bwMode="auto">
-          <a:xfrm rot="16199999" flipV="1">
+          <a:xfrm rot="16199998" flipV="1">
             <a:off x="2964809" y="-2364446"/>
             <a:ext cx="6862744" cy="11591639"/>
           </a:xfrm>
@@ -20112,7 +20195,7 @@
           <p:nvPr userDrawn="1"/>
         </p:nvSpPr>
         <p:spPr bwMode="auto">
-          <a:xfrm rot="16199999" flipV="1">
+          <a:xfrm rot="16199998" flipV="1">
             <a:off x="2664629" y="-2664627"/>
             <a:ext cx="6862744" cy="12192000"/>
           </a:xfrm>
@@ -20258,7 +20341,7 @@
           <p:nvPr userDrawn="1"/>
         </p:nvSpPr>
         <p:spPr bwMode="auto">
-          <a:xfrm rot="16199999" flipV="1">
+          <a:xfrm rot="16199998" flipV="1">
             <a:off x="2664628" y="-2664627"/>
             <a:ext cx="6862744" cy="12192000"/>
           </a:xfrm>
@@ -20442,7 +20525,7 @@
           <p:nvPr userDrawn="1"/>
         </p:nvGrpSpPr>
         <p:grpSpPr bwMode="auto">
-          <a:xfrm rot="16199999">
+          <a:xfrm rot="16199998">
             <a:off x="499387" y="-322655"/>
             <a:ext cx="535531" cy="645308"/>
             <a:chOff x="10945855" y="7317025"/>
@@ -21203,7 +21286,7 @@
           <p:nvPr userDrawn="1"/>
         </p:nvSpPr>
         <p:spPr bwMode="auto">
-          <a:xfrm rot="16199999" flipV="1">
+          <a:xfrm rot="16199998" flipV="1">
             <a:off x="2964809" y="-2364446"/>
             <a:ext cx="6862744" cy="11591639"/>
           </a:xfrm>
@@ -21351,7 +21434,7 @@
           <p:nvPr userDrawn="1"/>
         </p:nvSpPr>
         <p:spPr bwMode="auto">
-          <a:xfrm rot="16199999" flipV="1">
+          <a:xfrm rot="16199998" flipV="1">
             <a:off x="2664629" y="-2664627"/>
             <a:ext cx="6862744" cy="12192000"/>
           </a:xfrm>
@@ -21497,7 +21580,7 @@
           <p:nvPr userDrawn="1"/>
         </p:nvSpPr>
         <p:spPr bwMode="auto">
-          <a:xfrm rot="16199999" flipV="1">
+          <a:xfrm rot="16199998" flipV="1">
             <a:off x="2664628" y="-2664627"/>
             <a:ext cx="6862744" cy="12192000"/>
           </a:xfrm>
@@ -21681,7 +21764,7 @@
           <p:nvPr userDrawn="1"/>
         </p:nvGrpSpPr>
         <p:grpSpPr bwMode="auto">
-          <a:xfrm rot="16199999">
+          <a:xfrm rot="16199998">
             <a:off x="499387" y="-322655"/>
             <a:ext cx="535531" cy="645308"/>
             <a:chOff x="10945855" y="7317025"/>
@@ -22857,7 +22940,7 @@
           <p:nvPr userDrawn="1"/>
         </p:nvSpPr>
         <p:spPr bwMode="auto">
-          <a:xfrm rot="16199999" flipV="1">
+          <a:xfrm rot="16199998" flipV="1">
             <a:off x="2964809" y="-2364446"/>
             <a:ext cx="6862744" cy="11591639"/>
           </a:xfrm>
@@ -23005,7 +23088,7 @@
           <p:nvPr userDrawn="1"/>
         </p:nvSpPr>
         <p:spPr bwMode="auto">
-          <a:xfrm rot="16199999" flipV="1">
+          <a:xfrm rot="16199998" flipV="1">
             <a:off x="2664629" y="-2669372"/>
             <a:ext cx="6862744" cy="12192000"/>
           </a:xfrm>
@@ -23151,7 +23234,7 @@
           <p:nvPr userDrawn="1"/>
         </p:nvSpPr>
         <p:spPr bwMode="auto">
-          <a:xfrm rot="16199999" flipV="1">
+          <a:xfrm rot="16199998" flipV="1">
             <a:off x="2664629" y="-2669372"/>
             <a:ext cx="6862744" cy="12192000"/>
           </a:xfrm>
@@ -23345,7 +23428,7 @@
           <p:nvPr userDrawn="1"/>
         </p:nvGrpSpPr>
         <p:grpSpPr bwMode="auto">
-          <a:xfrm rot="16199999">
+          <a:xfrm rot="16199998">
             <a:off x="499387" y="-322655"/>
             <a:ext cx="535531" cy="645308"/>
             <a:chOff x="10945855" y="7317025"/>
@@ -24342,12 +24425,7 @@
             <p:ph type="title"/>
           </p:nvPr>
         </p:nvSpPr>
-        <p:spPr bwMode="auto">
-          <a:xfrm>
-            <a:off x="444500" y="542925"/>
-            <a:ext cx="11214100" cy="535531"/>
-          </a:xfrm>
-        </p:spPr>
+        <p:spPr bwMode="auto"/>
         <p:txBody>
           <a:bodyPr/>
           <a:lstStyle/>
@@ -24389,14 +24467,164 @@
           </a:p>
         </p:txBody>
       </p:sp>
+      <p:sp>
+        <p:nvSpPr>
+          <p:cNvPr id="1819677808" name="Text Placeholder 2"/>
+          <p:cNvSpPr>
+            <a:spLocks noGrp="1"/>
+          </p:cNvSpPr>
+          <p:nvPr>
+            <p:ph type="body" idx="1"/>
+          </p:nvPr>
+        </p:nvSpPr>
+        <p:spPr bwMode="auto">
+          <a:xfrm flipH="0" flipV="0">
+            <a:off x="444499" y="1681162"/>
+            <a:ext cx="5607049" cy="411955"/>
+          </a:xfrm>
+        </p:spPr>
+        <p:txBody>
+          <a:bodyPr anchor="t">
+            <a:normAutofit/>
+          </a:bodyPr>
+          <a:lstStyle>
+            <a:lvl1pPr marL="0" indent="0" algn="ctr">
+              <a:buFont typeface="Arial"/>
+              <a:buNone/>
+              <a:defRPr sz="2000" b="1">
+                <a:solidFill>
+                  <a:schemeClr val="bg1"/>
+                </a:solidFill>
+              </a:defRPr>
+            </a:lvl1pPr>
+            <a:lvl2pPr marL="457200" indent="0">
+              <a:buNone/>
+              <a:defRPr sz="2000" b="1"/>
+            </a:lvl2pPr>
+            <a:lvl3pPr marL="914400" indent="0">
+              <a:buNone/>
+              <a:defRPr sz="1800" b="1"/>
+            </a:lvl3pPr>
+            <a:lvl4pPr marL="1371600" indent="0">
+              <a:buNone/>
+              <a:defRPr sz="1600" b="1"/>
+            </a:lvl4pPr>
+            <a:lvl5pPr marL="1828800" indent="0">
+              <a:buNone/>
+              <a:defRPr sz="1600" b="1"/>
+            </a:lvl5pPr>
+            <a:lvl6pPr marL="2286000" indent="0">
+              <a:buNone/>
+              <a:defRPr sz="1600" b="1"/>
+            </a:lvl6pPr>
+            <a:lvl7pPr marL="2743200" indent="0">
+              <a:buNone/>
+              <a:defRPr sz="1600" b="1"/>
+            </a:lvl7pPr>
+            <a:lvl8pPr marL="3200400" indent="0">
+              <a:buNone/>
+              <a:defRPr sz="1600" b="1"/>
+            </a:lvl8pPr>
+            <a:lvl9pPr marL="3657600" indent="0">
+              <a:buNone/>
+              <a:defRPr sz="1600" b="1"/>
+            </a:lvl9pPr>
+          </a:lstStyle>
+          <a:p>
+            <a:pPr>
+              <a:defRPr/>
+            </a:pPr>
+            <a:r>
+              <a:rPr/>
+              <a:t>Tambah Item</a:t>
+            </a:r>
+            <a:endParaRPr/>
+          </a:p>
+        </p:txBody>
+      </p:sp>
+      <p:sp>
+        <p:nvSpPr>
+          <p:cNvPr id="1367438431" name="Text Placeholder 4"/>
+          <p:cNvSpPr>
+            <a:spLocks noGrp="1"/>
+          </p:cNvSpPr>
+          <p:nvPr>
+            <p:ph type="body" sz="quarter" idx="3"/>
+          </p:nvPr>
+        </p:nvSpPr>
+        <p:spPr bwMode="auto">
+          <a:xfrm flipH="0" flipV="0">
+            <a:off x="6051549" y="1681162"/>
+            <a:ext cx="5607049" cy="411955"/>
+          </a:xfrm>
+        </p:spPr>
+        <p:txBody>
+          <a:bodyPr anchor="t">
+            <a:normAutofit/>
+          </a:bodyPr>
+          <a:lstStyle>
+            <a:lvl1pPr marL="0" indent="0" algn="ctr">
+              <a:buFont typeface="Arial"/>
+              <a:buNone/>
+              <a:defRPr sz="2000" b="1">
+                <a:solidFill>
+                  <a:schemeClr val="bg1"/>
+                </a:solidFill>
+              </a:defRPr>
+            </a:lvl1pPr>
+            <a:lvl2pPr marL="457200" indent="0">
+              <a:buNone/>
+              <a:defRPr sz="2000" b="1"/>
+            </a:lvl2pPr>
+            <a:lvl3pPr marL="914400" indent="0">
+              <a:buNone/>
+              <a:defRPr sz="1800" b="1"/>
+            </a:lvl3pPr>
+            <a:lvl4pPr marL="1371600" indent="0">
+              <a:buNone/>
+              <a:defRPr sz="1600" b="1"/>
+            </a:lvl4pPr>
+            <a:lvl5pPr marL="1828800" indent="0">
+              <a:buNone/>
+              <a:defRPr sz="1600" b="1"/>
+            </a:lvl5pPr>
+            <a:lvl6pPr marL="2286000" indent="0">
+              <a:buNone/>
+              <a:defRPr sz="1600" b="1"/>
+            </a:lvl6pPr>
+            <a:lvl7pPr marL="2743200" indent="0">
+              <a:buNone/>
+              <a:defRPr sz="1600" b="1"/>
+            </a:lvl7pPr>
+            <a:lvl8pPr marL="3200400" indent="0">
+              <a:buNone/>
+              <a:defRPr sz="1600" b="1"/>
+            </a:lvl8pPr>
+            <a:lvl9pPr marL="3657600" indent="0">
+              <a:buNone/>
+              <a:defRPr sz="1600" b="1"/>
+            </a:lvl9pPr>
+          </a:lstStyle>
+          <a:p>
+            <a:pPr>
+              <a:defRPr/>
+            </a:pPr>
+            <a:r>
+              <a:rPr/>
+              <a:t>Hapus Item</a:t>
+            </a:r>
+            <a:endParaRPr/>
+          </a:p>
+        </p:txBody>
+      </p:sp>
       <p:pic>
         <p:nvPicPr>
-          <p:cNvPr id="1641702155" name=""/>
+          <p:cNvPr id="2018337174" name=""/>
           <p:cNvPicPr>
             <a:picLocks noChangeAspect="1"/>
           </p:cNvPicPr>
           <p:nvPr>
-            <p:ph idx="1"/>
+            <p:ph sz="half" idx="2"/>
           </p:nvPr>
         </p:nvPicPr>
         <p:blipFill>
@@ -24405,8 +24633,240 @@
         </p:blipFill>
         <p:spPr bwMode="auto">
           <a:xfrm rot="0">
-            <a:off x="4870493" y="1825624"/>
-            <a:ext cx="2360978" cy="4351338"/>
+            <a:off x="2177963" y="2093118"/>
+            <a:ext cx="2140121" cy="4096542"/>
+          </a:xfrm>
+          <a:prstGeom prst="rect">
+            <a:avLst/>
+          </a:prstGeom>
+        </p:spPr>
+      </p:pic>
+      <p:pic>
+        <p:nvPicPr>
+          <p:cNvPr id="1431524500" name=""/>
+          <p:cNvPicPr>
+            <a:picLocks noChangeAspect="1"/>
+          </p:cNvPicPr>
+          <p:nvPr>
+            <p:ph sz="quarter" idx="4"/>
+          </p:nvPr>
+        </p:nvPicPr>
+        <p:blipFill>
+          <a:blip r:embed="rId4"/>
+          <a:stretch/>
+        </p:blipFill>
+        <p:spPr bwMode="auto">
+          <a:xfrm rot="0">
+            <a:off x="7933748" y="2093118"/>
+            <a:ext cx="1842653" cy="4096542"/>
+          </a:xfrm>
+          <a:prstGeom prst="rect">
+            <a:avLst/>
+          </a:prstGeom>
+        </p:spPr>
+      </p:pic>
+    </p:spTree>
+  </p:cSld>
+  <p:clrMapOvr>
+    <a:masterClrMapping/>
+  </p:clrMapOvr>
+  <mc:AlternateContent xmlns:mc="http://schemas.openxmlformats.org/markup-compatibility/2006">
+    <mc:Choice xmlns:p159="http://schemas.microsoft.com/office/powerpoint/2015/09/main" xmlns:p14="http://schemas.microsoft.com/office/powerpoint/2010/main" Requires="p159">
+      <p:transition p14:dur="2000" advClick="1"/>
+    </mc:Choice>
+    <mc:Fallback>
+      <p:transition advClick="1"/>
+    </mc:Fallback>
+  </mc:AlternateContent>
+</p:sld>
+</file>
+
+<file path=ppt/slides/slide3.xml><?xml version="1.0" encoding="utf-8"?>
+<p:sld xmlns:a="http://schemas.openxmlformats.org/drawingml/2006/main" xmlns:r="http://schemas.openxmlformats.org/officeDocument/2006/relationships" xmlns:p="http://schemas.openxmlformats.org/presentationml/2006/main" xmlns:m="http://schemas.openxmlformats.org/officeDocument/2006/math" xmlns:w="http://schemas.openxmlformats.org/wordprocessingml/2006/main" showMasterPhAnim="0" show="1">
+  <p:cSld name="">
+    <p:spTree>
+      <p:nvGrpSpPr>
+        <p:cNvPr id="1" name=""/>
+        <p:cNvGrpSpPr/>
+        <p:nvPr/>
+      </p:nvGrpSpPr>
+      <p:grpSpPr bwMode="auto">
+        <a:xfrm>
+          <a:off x="0" y="0"/>
+          <a:ext cx="0" cy="0"/>
+          <a:chOff x="0" y="0"/>
+          <a:chExt cx="0" cy="0"/>
+        </a:xfrm>
+      </p:grpSpPr>
+      <p:sp>
+        <p:nvSpPr>
+          <p:cNvPr id="626830804" name="Title 1"/>
+          <p:cNvSpPr>
+            <a:spLocks noGrp="1"/>
+          </p:cNvSpPr>
+          <p:nvPr>
+            <p:ph type="title"/>
+          </p:nvPr>
+        </p:nvSpPr>
+        <p:spPr bwMode="auto"/>
+        <p:txBody>
+          <a:bodyPr/>
+          <a:lstStyle/>
+          <a:p>
+            <a:pPr>
+              <a:defRPr/>
+            </a:pPr>
+            <a:r>
+              <a:rPr lang="en-US"/>
+              <a:t>Screenshot</a:t>
+            </a:r>
+            <a:endParaRPr lang="en-US"/>
+          </a:p>
+        </p:txBody>
+      </p:sp>
+      <p:sp>
+        <p:nvSpPr>
+          <p:cNvPr id="517860522" name="Slide Number Placeholder 2"/>
+          <p:cNvSpPr>
+            <a:spLocks noGrp="1"/>
+          </p:cNvSpPr>
+          <p:nvPr>
+            <p:ph type="sldNum" sz="quarter" idx="12"/>
+          </p:nvPr>
+        </p:nvSpPr>
+        <p:spPr bwMode="auto"/>
+        <p:txBody>
+          <a:bodyPr/>
+          <a:lstStyle/>
+          <a:p>
+            <a:pPr>
+              <a:defRPr/>
+            </a:pPr>
+            <a:fld id="{89167D16-62C8-38EC-CD7A-BA651E482E19}" type="slidenum">
+              <a:rPr lang="en-US"/>
+              <a:t/>
+            </a:fld>
+            <a:endParaRPr lang="en-US"/>
+          </a:p>
+        </p:txBody>
+      </p:sp>
+      <p:sp>
+        <p:nvSpPr>
+          <p:cNvPr id="1238195422" name="Text Placeholder 2"/>
+          <p:cNvSpPr>
+            <a:spLocks noGrp="1"/>
+          </p:cNvSpPr>
+          <p:nvPr>
+            <p:ph type="body" idx="1"/>
+          </p:nvPr>
+        </p:nvSpPr>
+        <p:spPr bwMode="auto">
+          <a:xfrm flipH="0" flipV="0">
+            <a:off x="444499" y="1681162"/>
+            <a:ext cx="11214099" cy="411955"/>
+          </a:xfrm>
+        </p:spPr>
+        <p:txBody>
+          <a:bodyPr anchor="t">
+            <a:normAutofit/>
+          </a:bodyPr>
+          <a:lstStyle>
+            <a:lvl1pPr marL="0" indent="0" algn="ctr">
+              <a:buFont typeface="Arial"/>
+              <a:buNone/>
+              <a:defRPr sz="2000" b="1">
+                <a:solidFill>
+                  <a:schemeClr val="bg1"/>
+                </a:solidFill>
+              </a:defRPr>
+            </a:lvl1pPr>
+            <a:lvl2pPr marL="457200" indent="0">
+              <a:buNone/>
+              <a:defRPr sz="2000" b="1"/>
+            </a:lvl2pPr>
+            <a:lvl3pPr marL="914400" indent="0">
+              <a:buNone/>
+              <a:defRPr sz="1800" b="1"/>
+            </a:lvl3pPr>
+            <a:lvl4pPr marL="1371600" indent="0">
+              <a:buNone/>
+              <a:defRPr sz="1600" b="1"/>
+            </a:lvl4pPr>
+            <a:lvl5pPr marL="1828800" indent="0">
+              <a:buNone/>
+              <a:defRPr sz="1600" b="1"/>
+            </a:lvl5pPr>
+            <a:lvl6pPr marL="2286000" indent="0">
+              <a:buNone/>
+              <a:defRPr sz="1600" b="1"/>
+            </a:lvl6pPr>
+            <a:lvl7pPr marL="2743200" indent="0">
+              <a:buNone/>
+              <a:defRPr sz="1600" b="1"/>
+            </a:lvl7pPr>
+            <a:lvl8pPr marL="3200400" indent="0">
+              <a:buNone/>
+              <a:defRPr sz="1600" b="1"/>
+            </a:lvl8pPr>
+            <a:lvl9pPr marL="3657600" indent="0">
+              <a:buNone/>
+              <a:defRPr sz="1600" b="1"/>
+            </a:lvl9pPr>
+          </a:lstStyle>
+          <a:p>
+            <a:pPr>
+              <a:defRPr/>
+            </a:pPr>
+            <a:r>
+              <a:rPr/>
+              <a:t>Kasir</a:t>
+            </a:r>
+            <a:endParaRPr/>
+          </a:p>
+        </p:txBody>
+      </p:sp>
+      <p:pic>
+        <p:nvPicPr>
+          <p:cNvPr id="1482483450" name=""/>
+          <p:cNvPicPr>
+            <a:picLocks noChangeAspect="1"/>
+          </p:cNvPicPr>
+          <p:nvPr>
+            <p:ph sz="half" idx="2"/>
+          </p:nvPr>
+        </p:nvPicPr>
+        <p:blipFill>
+          <a:blip r:embed="rId3"/>
+          <a:stretch/>
+        </p:blipFill>
+        <p:spPr bwMode="auto">
+          <a:xfrm rot="0">
+            <a:off x="2138362" y="2350690"/>
+            <a:ext cx="2219324" cy="3581399"/>
+          </a:xfrm>
+          <a:prstGeom prst="rect">
+            <a:avLst/>
+          </a:prstGeom>
+        </p:spPr>
+      </p:pic>
+      <p:pic>
+        <p:nvPicPr>
+          <p:cNvPr id="696146420" name=""/>
+          <p:cNvPicPr>
+            <a:picLocks noChangeAspect="1"/>
+          </p:cNvPicPr>
+          <p:nvPr>
+            <p:ph sz="quarter" idx="4"/>
+          </p:nvPr>
+        </p:nvPicPr>
+        <p:blipFill>
+          <a:blip r:embed="rId4"/>
+          <a:stretch/>
+        </p:blipFill>
+        <p:spPr bwMode="auto">
+          <a:xfrm rot="0">
+            <a:off x="7745412" y="2693590"/>
+            <a:ext cx="2219324" cy="2895599"/>
           </a:xfrm>
           <a:prstGeom prst="rect">
             <a:avLst/>
@@ -24841,269 +25301,4 @@
   </a:themeElements>
   <a:objectDefaults/>
 </a:theme>
-</file>
-
-<file path=customXml/item1.xml><?xml version="1.0" encoding="utf-8"?>
-<ct:contentTypeSchema xmlns:ct="http://schemas.microsoft.com/office/2006/metadata/contentType" xmlns:ma="http://schemas.microsoft.com/office/2006/metadata/properties/metaAttributes" ct:_="" ma:_="" ma:contentTypeName="Document" ma:contentTypeID="0x01010079F111ED35F8CC479449609E8A0923A6" ma:contentTypeVersion="11" ma:contentTypeDescription="Create a new document." ma:contentTypeScope="" ma:versionID="96291512c1ee715ab617f4c07df79fc1">
-  <xsd:schema xmlns:xsd="http://www.w3.org/2001/XMLSchema" xmlns:xs="http://www.w3.org/2001/XMLSchema" xmlns:p="http://schemas.microsoft.com/office/2006/metadata/properties" xmlns:ns2="71af3243-3dd4-4a8d-8c0d-dd76da1f02a5" xmlns:ns3="16c05727-aa75-4e4a-9b5f-8a80a1165891" targetNamespace="http://schemas.microsoft.com/office/2006/metadata/properties" ma:root="true" ma:fieldsID="8256c27c40ca5c40ce1cf6c44f0205df" ns2:_="" ns3:_="">
-    <xsd:import namespace="71af3243-3dd4-4a8d-8c0d-dd76da1f02a5"/>
-    <xsd:import namespace="16c05727-aa75-4e4a-9b5f-8a80a1165891"/>
-    <xsd:element name="properties">
-      <xsd:complexType>
-        <xsd:sequence>
-          <xsd:element name="documentManagement">
-            <xsd:complexType>
-              <xsd:all>
-                <xsd:element ref="ns2:MediaServiceMetadata" minOccurs="0"/>
-                <xsd:element ref="ns2:MediaServiceFastMetadata" minOccurs="0"/>
-                <xsd:element ref="ns2:MediaServiceOCR" minOccurs="0"/>
-                <xsd:element ref="ns2:MediaServiceAutoTags" minOccurs="0"/>
-                <xsd:element ref="ns2:MediaServiceEventHashCode" minOccurs="0"/>
-                <xsd:element ref="ns2:MediaServiceGenerationTime" minOccurs="0"/>
-                <xsd:element ref="ns3:SharedWithUsers" minOccurs="0"/>
-                <xsd:element ref="ns3:SharedWithDetails" minOccurs="0"/>
-                <xsd:element ref="ns2:MediaServiceAutoKeyPoints" minOccurs="0"/>
-                <xsd:element ref="ns2:MediaServiceKeyPoints" minOccurs="0"/>
-                <xsd:element ref="ns2:MediaServiceDateTaken" minOccurs="0"/>
-              </xsd:all>
-            </xsd:complexType>
-          </xsd:element>
-        </xsd:sequence>
-      </xsd:complexType>
-    </xsd:element>
-  </xsd:schema>
-  <xsd:schema xmlns:xsd="http://www.w3.org/2001/XMLSchema" xmlns:xs="http://www.w3.org/2001/XMLSchema" xmlns:dms="http://schemas.microsoft.com/office/2006/documentManagement/types" xmlns:pc="http://schemas.microsoft.com/office/infopath/2007/PartnerControls" targetNamespace="71af3243-3dd4-4a8d-8c0d-dd76da1f02a5" elementFormDefault="qualified">
-    <xsd:import namespace="http://schemas.microsoft.com/office/2006/documentManagement/types"/>
-    <xsd:import namespace="http://schemas.microsoft.com/office/infopath/2007/PartnerControls"/>
-    <xsd:element name="MediaServiceMetadata" ma:index="8" nillable="true" ma:displayName="MediaServiceMetadata" ma:hidden="true" ma:internalName="MediaServiceMetadata" ma:readOnly="true">
-      <xsd:simpleType>
-        <xsd:restriction base="dms:Note"/>
-      </xsd:simpleType>
-    </xsd:element>
-    <xsd:element name="MediaServiceFastMetadata" ma:index="9" nillable="true" ma:displayName="MediaServiceFastMetadata" ma:hidden="true" ma:internalName="MediaServiceFastMetadata" ma:readOnly="true">
-      <xsd:simpleType>
-        <xsd:restriction base="dms:Note"/>
-      </xsd:simpleType>
-    </xsd:element>
-    <xsd:element name="MediaServiceOCR" ma:index="10" nillable="true" ma:displayName="MediaServiceOCR" ma:internalName="MediaServiceOCR" ma:readOnly="true">
-      <xsd:simpleType>
-        <xsd:restriction base="dms:Note">
-          <xsd:maxLength value="255"/>
-        </xsd:restriction>
-      </xsd:simpleType>
-    </xsd:element>
-    <xsd:element name="MediaServiceAutoTags" ma:index="11" nillable="true" ma:displayName="MediaServiceAutoTags" ma:internalName="MediaServiceAutoTags" ma:readOnly="true">
-      <xsd:simpleType>
-        <xsd:restriction base="dms:Text"/>
-      </xsd:simpleType>
-    </xsd:element>
-    <xsd:element name="MediaServiceEventHashCode" ma:index="12" nillable="true" ma:displayName="MediaServiceEventHashCode" ma:hidden="true" ma:internalName="MediaServiceEventHashCode" ma:readOnly="true">
-      <xsd:simpleType>
-        <xsd:restriction base="dms:Text"/>
-      </xsd:simpleType>
-    </xsd:element>
-    <xsd:element name="MediaServiceGenerationTime" ma:index="13" nillable="true" ma:displayName="MediaServiceGenerationTime" ma:hidden="true" ma:internalName="MediaServiceGenerationTime" ma:readOnly="true">
-      <xsd:simpleType>
-        <xsd:restriction base="dms:Text"/>
-      </xsd:simpleType>
-    </xsd:element>
-    <xsd:element name="MediaServiceAutoKeyPoints" ma:index="16" nillable="true" ma:displayName="MediaServiceAutoKeyPoints" ma:hidden="true" ma:internalName="MediaServiceAutoKeyPoints" ma:readOnly="true">
-      <xsd:simpleType>
-        <xsd:restriction base="dms:Note"/>
-      </xsd:simpleType>
-    </xsd:element>
-    <xsd:element name="MediaServiceKeyPoints" ma:index="17" nillable="true" ma:displayName="KeyPoints" ma:internalName="MediaServiceKeyPoints" ma:readOnly="false">
-      <xsd:simpleType>
-        <xsd:restriction base="dms:Note">
-          <xsd:maxLength value="255"/>
-        </xsd:restriction>
-      </xsd:simpleType>
-    </xsd:element>
-    <xsd:element name="MediaServiceDateTaken" ma:index="18" nillable="true" ma:displayName="MediaServiceDateTaken" ma:hidden="true" ma:internalName="MediaServiceDateTaken" ma:readOnly="true">
-      <xsd:simpleType>
-        <xsd:restriction base="dms:Text"/>
-      </xsd:simpleType>
-    </xsd:element>
-  </xsd:schema>
-  <xsd:schema xmlns:xsd="http://www.w3.org/2001/XMLSchema" xmlns:xs="http://www.w3.org/2001/XMLSchema" xmlns:dms="http://schemas.microsoft.com/office/2006/documentManagement/types" xmlns:pc="http://schemas.microsoft.com/office/infopath/2007/PartnerControls" targetNamespace="16c05727-aa75-4e4a-9b5f-8a80a1165891" elementFormDefault="qualified">
-    <xsd:import namespace="http://schemas.microsoft.com/office/2006/documentManagement/types"/>
-    <xsd:import namespace="http://schemas.microsoft.com/office/infopath/2007/PartnerControls"/>
-    <xsd:element name="SharedWithUsers" ma:index="14" nillable="true" ma:displayName="Shared With" ma:internalName="SharedWithUsers" ma:readOnly="true">
-      <xsd:complexType>
-        <xsd:complexContent>
-          <xsd:extension base="dms:UserMulti">
-            <xsd:sequence>
-              <xsd:element name="UserInfo" minOccurs="0" maxOccurs="unbounded">
-                <xsd:complexType>
-                  <xsd:sequence>
-                    <xsd:element name="DisplayName" type="xsd:string" minOccurs="0"/>
-                    <xsd:element name="AccountId" type="dms:UserId" minOccurs="0" nillable="true"/>
-                    <xsd:element name="AccountType" type="xsd:string" minOccurs="0"/>
-                  </xsd:sequence>
-                </xsd:complexType>
-              </xsd:element>
-            </xsd:sequence>
-          </xsd:extension>
-        </xsd:complexContent>
-      </xsd:complexType>
-    </xsd:element>
-    <xsd:element name="SharedWithDetails" ma:index="15" nillable="true" ma:displayName="Shared With Details" ma:internalName="SharedWithDetails" ma:readOnly="true">
-      <xsd:simpleType>
-        <xsd:restriction base="dms:Note">
-          <xsd:maxLength value="255"/>
-        </xsd:restriction>
-      </xsd:simpleType>
-    </xsd:element>
-  </xsd:schema>
-  <xsd:schema xmlns="http://schemas.openxmlformats.org/package/2006/metadata/core-properties" xmlns:xsd="http://www.w3.org/2001/XMLSchema" xmlns:xsi="http://www.w3.org/2001/XMLSchema-instance" xmlns:dc="http://purl.org/dc/elements/1.1/" xmlns:dcterms="http://purl.org/dc/terms/" xmlns:odoc="http://schemas.microsoft.com/internal/obd" targetNamespace="http://schemas.openxmlformats.org/package/2006/metadata/core-properties" elementFormDefault="qualified" attributeFormDefault="unqualified" blockDefault="#all">
-    <xsd:import namespace="http://purl.org/dc/elements/1.1/" schemaLocation="http://dublincore.org/schemas/xmls/qdc/2003/04/02/dc.xsd"/>
-    <xsd:import namespace="http://purl.org/dc/terms/" schemaLocation="http://dublincore.org/schemas/xmls/qdc/2003/04/02/dcterms.xsd"/>
-    <xsd:element name="coreProperties" type="CT_coreProperties"/>
-    <xsd:complexType name="CT_coreProperties">
-      <xsd:all>
-        <xsd:element ref="dc:creator" minOccurs="0" maxOccurs="1"/>
-        <xsd:element ref="dcterms:created" minOccurs="0" maxOccurs="1"/>
-        <xsd:element ref="dc:identifier" minOccurs="0" maxOccurs="1"/>
-        <xsd:element name="contentType" minOccurs="0" maxOccurs="1" type="xsd:string" ma:index="0" ma:displayName="Content Type"/>
-        <xsd:element ref="dc:title" minOccurs="0" maxOccurs="1" ma:index="4" ma:displayName="Title"/>
-        <xsd:element ref="dc:subject" minOccurs="0" maxOccurs="1"/>
-        <xsd:element ref="dc:description" minOccurs="0" maxOccurs="1"/>
-        <xsd:element name="keywords" minOccurs="0" maxOccurs="1" type="xsd:string"/>
-        <xsd:element ref="dc:language" minOccurs="0" maxOccurs="1"/>
-        <xsd:element name="category" minOccurs="0" maxOccurs="1" type="xsd:string"/>
-        <xsd:element name="version" minOccurs="0" maxOccurs="1" type="xsd:string"/>
-        <xsd:element name="revision" minOccurs="0" maxOccurs="1" type="xsd:string">
-          <xsd:annotation>
-            <xsd:documentation>
-                        This value indicates the number of saves or revisions. The application is responsible for updating this value after each revision.
-                    </xsd:documentation>
-          </xsd:annotation>
-        </xsd:element>
-        <xsd:element name="lastModifiedBy" minOccurs="0" maxOccurs="1" type="xsd:string"/>
-        <xsd:element ref="dcterms:modified" minOccurs="0" maxOccurs="1"/>
-        <xsd:element name="contentStatus" minOccurs="0" maxOccurs="1" type="xsd:string"/>
-      </xsd:all>
-    </xsd:complexType>
-  </xsd:schema>
-  <xs:schema xmlns:pc="http://schemas.microsoft.com/office/infopath/2007/PartnerControls" xmlns:xs="http://www.w3.org/2001/XMLSchema" targetNamespace="http://schemas.microsoft.com/office/infopath/2007/PartnerControls" elementFormDefault="qualified" attributeFormDefault="unqualified">
-    <xs:element name="Person">
-      <xs:complexType>
-        <xs:sequence>
-          <xs:element ref="pc:DisplayName" minOccurs="0"/>
-          <xs:element ref="pc:AccountId" minOccurs="0"/>
-          <xs:element ref="pc:AccountType" minOccurs="0"/>
-        </xs:sequence>
-      </xs:complexType>
-    </xs:element>
-    <xs:element name="DisplayName" type="xs:string"/>
-    <xs:element name="AccountId" type="xs:string"/>
-    <xs:element name="AccountType" type="xs:string"/>
-    <xs:element name="BDCAssociatedEntity">
-      <xs:complexType>
-        <xs:sequence>
-          <xs:element ref="pc:BDCEntity" minOccurs="0" maxOccurs="unbounded"/>
-        </xs:sequence>
-        <xs:attribute ref="pc:EntityNamespace"/>
-        <xs:attribute ref="pc:EntityName"/>
-        <xs:attribute ref="pc:SystemInstanceName"/>
-        <xs:attribute ref="pc:AssociationName"/>
-      </xs:complexType>
-    </xs:element>
-    <xs:attribute name="EntityNamespace" type="xs:string"/>
-    <xs:attribute name="EntityName" type="xs:string"/>
-    <xs:attribute name="SystemInstanceName" type="xs:string"/>
-    <xs:attribute name="AssociationName" type="xs:string"/>
-    <xs:element name="BDCEntity">
-      <xs:complexType>
-        <xs:sequence>
-          <xs:element ref="pc:EntityDisplayName" minOccurs="0"/>
-          <xs:element ref="pc:EntityInstanceReference" minOccurs="0"/>
-          <xs:element ref="pc:EntityId1" minOccurs="0"/>
-          <xs:element ref="pc:EntityId2" minOccurs="0"/>
-          <xs:element ref="pc:EntityId3" minOccurs="0"/>
-          <xs:element ref="pc:EntityId4" minOccurs="0"/>
-          <xs:element ref="pc:EntityId5" minOccurs="0"/>
-        </xs:sequence>
-      </xs:complexType>
-    </xs:element>
-    <xs:element name="EntityDisplayName" type="xs:string"/>
-    <xs:element name="EntityInstanceReference" type="xs:string"/>
-    <xs:element name="EntityId1" type="xs:string"/>
-    <xs:element name="EntityId2" type="xs:string"/>
-    <xs:element name="EntityId3" type="xs:string"/>
-    <xs:element name="EntityId4" type="xs:string"/>
-    <xs:element name="EntityId5" type="xs:string"/>
-    <xs:element name="Terms">
-      <xs:complexType>
-        <xs:sequence>
-          <xs:element ref="pc:TermInfo" minOccurs="0" maxOccurs="unbounded"/>
-        </xs:sequence>
-      </xs:complexType>
-    </xs:element>
-    <xs:element name="TermInfo">
-      <xs:complexType>
-        <xs:sequence>
-          <xs:element ref="pc:TermName" minOccurs="0"/>
-          <xs:element ref="pc:TermId" minOccurs="0"/>
-        </xs:sequence>
-      </xs:complexType>
-    </xs:element>
-    <xs:element name="TermName" type="xs:string"/>
-    <xs:element name="TermId" type="xs:string"/>
-  </xs:schema>
-</ct:contentTypeSchema>
-</file>
-
-<file path=customXml/item2.xml><?xml version="1.0" encoding="utf-8"?>
-<?mso-contentType ?>
-<FormTemplates xmlns="http://schemas.microsoft.com/sharepoint/v3/contenttype/forms">
-  <Display>DocumentLibraryForm</Display>
-  <Edit>DocumentLibraryForm</Edit>
-  <New>DocumentLibraryForm</New>
-</FormTemplates>
-</file>
-
-<file path=customXml/item3.xml><?xml version="1.0" encoding="utf-8"?>
-<p:properties xmlns:p="http://schemas.microsoft.com/office/2006/metadata/properties" xmlns:xsi="http://www.w3.org/2001/XMLSchema-instance" xmlns:pc="http://schemas.microsoft.com/office/infopath/2007/PartnerControls">
-  <documentManagement>
-    <MediaServiceKeyPoints xmlns="71af3243-3dd4-4a8d-8c0d-dd76da1f02a5" xsi:nil="true"/>
-  </documentManagement>
-</p:properties>
-</file>
-
-<file path=customXml/itemProps1.xml><?xml version="1.0" encoding="utf-8"?>
-<ds:datastoreItem xmlns:ds="http://schemas.openxmlformats.org/officeDocument/2006/customXml" ds:itemID="{4C103400-4A22-4E35-B588-4C4D42638959}">
-  <ds:schemaRefs>
-    <ds:schemaRef ds:uri="http://schemas.microsoft.com/office/2006/metadata/contentType"/>
-    <ds:schemaRef ds:uri="http://schemas.microsoft.com/office/2006/metadata/properties/metaAttributes"/>
-    <ds:schemaRef ds:uri="http://www.w3.org/2001/XMLSchema"/>
-    <ds:schemaRef ds:uri="http://schemas.microsoft.com/office/2006/metadata/properties"/>
-    <ds:schemaRef ds:uri="71af3243-3dd4-4a8d-8c0d-dd76da1f02a5"/>
-    <ds:schemaRef ds:uri="16c05727-aa75-4e4a-9b5f-8a80a1165891"/>
-    <ds:schemaRef ds:uri="http://schemas.microsoft.com/office/2006/documentManagement/types"/>
-    <ds:schemaRef ds:uri="http://schemas.microsoft.com/office/infopath/2007/PartnerControls"/>
-    <ds:schemaRef ds:uri="http://schemas.openxmlformats.org/package/2006/metadata/core-properties"/>
-    <ds:schemaRef ds:uri="http://purl.org/dc/elements/1.1/"/>
-    <ds:schemaRef ds:uri="http://purl.org/dc/terms/"/>
-    <ds:schemaRef ds:uri="http://schemas.microsoft.com/internal/obd"/>
-  </ds:schemaRefs>
-</ds:datastoreItem>
-</file>
-
-<file path=customXml/itemProps2.xml><?xml version="1.0" encoding="utf-8"?>
-<ds:datastoreItem xmlns:ds="http://schemas.openxmlformats.org/officeDocument/2006/customXml" ds:itemID="{5B26E0C9-B2AA-42E6-97B6-E1B7D9EAF129}">
-  <ds:schemaRefs>
-    <ds:schemaRef ds:uri="http://schemas.microsoft.com/sharepoint/v3/contenttype/forms"/>
-  </ds:schemaRefs>
-</ds:datastoreItem>
-</file>
-
-<file path=customXml/itemProps3.xml><?xml version="1.0" encoding="utf-8"?>
-<ds:datastoreItem xmlns:ds="http://schemas.openxmlformats.org/officeDocument/2006/customXml" ds:itemID="{F5757914-1161-4661-9696-421FD6935CDD}">
-  <ds:schemaRefs>
-    <ds:schemaRef ds:uri="http://schemas.microsoft.com/office/2006/metadata/properties"/>
-    <ds:schemaRef ds:uri="http://schemas.microsoft.com/office/infopath/2007/PartnerControls"/>
-    <ds:schemaRef ds:uri="71af3243-3dd4-4a8d-8c0d-dd76da1f02a5"/>
-  </ds:schemaRefs>
-</ds:datastoreItem>
 </file>
--- a/c-kasir/Kasir.pptx
+++ b/c-kasir/Kasir.pptx
@@ -1,16 +1,16 @@
 
 <file path=ppt/presentation.xml><?xml version="1.0" encoding="utf-8"?>
-<p:presentation xmlns:a="http://schemas.openxmlformats.org/drawingml/2006/main" xmlns:r="http://schemas.openxmlformats.org/officeDocument/2006/relationships" xmlns:p="http://schemas.openxmlformats.org/presentationml/2006/main" xmlns:m="http://schemas.openxmlformats.org/officeDocument/2006/math" xmlns:w="http://schemas.openxmlformats.org/wordprocessingml/2006/main" autoCompressPictures="0" removePersonalInfoOnSave="1" saveSubsetFonts="1">
+<p:presentation xmlns:a="http://schemas.openxmlformats.org/drawingml/2006/main" xmlns:r="http://schemas.openxmlformats.org/officeDocument/2006/relationships" xmlns:p="http://schemas.openxmlformats.org/presentationml/2006/main" removePersonalInfoOnSave="1" saveSubsetFonts="1" autoCompressPictures="0">
   <p:sldMasterIdLst>
     <p:sldMasterId id="2147483648" r:id="rId1"/>
   </p:sldMasterIdLst>
   <p:notesMasterIdLst>
-    <p:notesMasterId r:id="rId7"/>
+    <p:notesMasterId r:id="rId5"/>
   </p:notesMasterIdLst>
   <p:sldIdLst>
-    <p:sldId id="256" r:id="rId4"/>
-    <p:sldId id="257" r:id="rId5"/>
-    <p:sldId id="258" r:id="rId6"/>
+    <p:sldId id="256" r:id="rId2"/>
+    <p:sldId id="257" r:id="rId3"/>
+    <p:sldId id="258" r:id="rId4"/>
   </p:sldIdLst>
   <p:sldSz cx="12192000" cy="6858000"/>
   <p:notesSz cx="6858000" cy="9144000"/>
@@ -109,12 +109,28 @@
       </a:defRPr>
     </a:lvl9pPr>
   </p:defaultTextStyle>
+  <p:extLst>
+    <p:ext uri="{EFAFB233-063F-42B5-8137-9DF3F51BA10A}">
+      <p15:sldGuideLst xmlns:p15="http://schemas.microsoft.com/office/powerpoint/2012/main">
+        <p15:guide id="1" orient="horz" pos="2160">
+          <p15:clr>
+            <a:srgbClr val="A4A3A4"/>
+          </p15:clr>
+        </p15:guide>
+        <p15:guide id="2" pos="3840">
+          <p15:clr>
+            <a:srgbClr val="A4A3A4"/>
+          </p15:clr>
+        </p15:guide>
+      </p15:sldGuideLst>
+    </p:ext>
+  </p:extLst>
 </p:presentation>
 </file>
 
 <file path=ppt/notesMasters/notesMaster1.xml><?xml version="1.0" encoding="utf-8"?>
 <p:notesMaster xmlns:a="http://schemas.openxmlformats.org/drawingml/2006/main" xmlns:r="http://schemas.openxmlformats.org/officeDocument/2006/relationships" xmlns:p="http://schemas.openxmlformats.org/presentationml/2006/main">
-  <p:cSld name="">
+  <p:cSld>
     <p:bg>
       <p:bgRef idx="1001">
         <a:schemeClr val="bg1"/>
@@ -200,7 +216,7 @@
             </a:pPr>
             <a:fld id="{090B78EA-28CE-41D8-9043-90E391E5F567}" type="datetimeFigureOut">
               <a:rPr lang="en-US"/>
-              <a:t>3/26/2024</a:t>
+              <a:t>4/16/2024</a:t>
             </a:fld>
             <a:endParaRPr lang="en-US"/>
           </a:p>
@@ -210,7 +226,7 @@
         <p:nvSpPr>
           <p:cNvPr id="4" name="Slide Image Placeholder 3"/>
           <p:cNvSpPr>
-            <a:spLocks noChangeAspect="1" noGrp="1" noRot="1"/>
+            <a:spLocks noGrp="1" noRot="1" noChangeAspect="1"/>
           </p:cNvSpPr>
           <p:nvPr>
             <p:ph type="sldImg" idx="2"/>
@@ -487,8 +503,8 @@
 </file>
 
 <file path=ppt/notesSlides/notesSlide1.xml><?xml version="1.0" encoding="utf-8"?>
-<p:notes xmlns:a="http://schemas.openxmlformats.org/drawingml/2006/main" xmlns:r="http://schemas.openxmlformats.org/officeDocument/2006/relationships" xmlns:p="http://schemas.openxmlformats.org/presentationml/2006/main" xmlns:m="http://schemas.openxmlformats.org/officeDocument/2006/math" xmlns:w="http://schemas.openxmlformats.org/wordprocessingml/2006/main">
-  <p:cSld name="">
+<p:notes xmlns:a="http://schemas.openxmlformats.org/drawingml/2006/main" xmlns:r="http://schemas.openxmlformats.org/officeDocument/2006/relationships" xmlns:p="http://schemas.openxmlformats.org/presentationml/2006/main">
+  <p:cSld>
     <p:spTree>
       <p:nvGrpSpPr>
         <p:cNvPr id="1" name=""/>
@@ -507,7 +523,7 @@
         <p:nvSpPr>
           <p:cNvPr id="2" name="Slide Image Placeholder 1"/>
           <p:cNvSpPr>
-            <a:spLocks noChangeAspect="1" noGrp="1" noRot="1"/>
+            <a:spLocks noGrp="1" noRot="1" noChangeAspect="1"/>
           </p:cNvSpPr>
           <p:nvPr>
             <p:ph type="sldImg"/>
@@ -557,7 +573,7 @@
             </a:pPr>
             <a:fld id="{359F4FCA-E392-7FA3-CDD2-AD528A3122F2}" type="slidenum">
               <a:rPr/>
-              <a:t/>
+              <a:t>1</a:t>
             </a:fld>
             <a:endParaRPr/>
           </a:p>
@@ -565,12 +581,15 @@
       </p:sp>
     </p:spTree>
   </p:cSld>
+  <p:clrMapOvr>
+    <a:masterClrMapping/>
+  </p:clrMapOvr>
 </p:notes>
 </file>
 
 <file path=ppt/notesSlides/notesSlide2.xml><?xml version="1.0" encoding="utf-8"?>
-<p:notes xmlns:a="http://schemas.openxmlformats.org/drawingml/2006/main" xmlns:r="http://schemas.openxmlformats.org/officeDocument/2006/relationships" xmlns:p="http://schemas.openxmlformats.org/presentationml/2006/main" xmlns:m="http://schemas.openxmlformats.org/officeDocument/2006/math" xmlns:w="http://schemas.openxmlformats.org/wordprocessingml/2006/main">
-  <p:cSld name="">
+<p:notes xmlns:a="http://schemas.openxmlformats.org/drawingml/2006/main" xmlns:r="http://schemas.openxmlformats.org/officeDocument/2006/relationships" xmlns:p="http://schemas.openxmlformats.org/presentationml/2006/main">
+  <p:cSld>
     <p:spTree>
       <p:nvGrpSpPr>
         <p:cNvPr id="1" name=""/>
@@ -589,7 +608,7 @@
         <p:nvSpPr>
           <p:cNvPr id="2" name="Slide Image Placeholder 1"/>
           <p:cNvSpPr>
-            <a:spLocks noChangeAspect="1" noGrp="1" noRot="1"/>
+            <a:spLocks noGrp="1" noRot="1" noChangeAspect="1"/>
           </p:cNvSpPr>
           <p:nvPr>
             <p:ph type="sldImg"/>
@@ -639,7 +658,7 @@
             </a:pPr>
             <a:fld id="{E6696288-09E3-56A7-2D15-91F1B30ED5D4}" type="slidenum">
               <a:rPr/>
-              <a:t/>
+              <a:t>2</a:t>
             </a:fld>
             <a:endParaRPr/>
           </a:p>
@@ -647,12 +666,15 @@
       </p:sp>
     </p:spTree>
   </p:cSld>
+  <p:clrMapOvr>
+    <a:masterClrMapping/>
+  </p:clrMapOvr>
 </p:notes>
 </file>
 
 <file path=ppt/notesSlides/notesSlide3.xml><?xml version="1.0" encoding="utf-8"?>
-<p:notes xmlns:a="http://schemas.openxmlformats.org/drawingml/2006/main" xmlns:r="http://schemas.openxmlformats.org/officeDocument/2006/relationships" xmlns:p="http://schemas.openxmlformats.org/presentationml/2006/main" xmlns:m="http://schemas.openxmlformats.org/officeDocument/2006/math" xmlns:w="http://schemas.openxmlformats.org/wordprocessingml/2006/main">
-  <p:cSld name="">
+<p:notes xmlns:a="http://schemas.openxmlformats.org/drawingml/2006/main" xmlns:r="http://schemas.openxmlformats.org/officeDocument/2006/relationships" xmlns:p="http://schemas.openxmlformats.org/presentationml/2006/main">
+  <p:cSld>
     <p:spTree>
       <p:nvGrpSpPr>
         <p:cNvPr id="1" name=""/>
@@ -671,7 +693,7 @@
         <p:nvSpPr>
           <p:cNvPr id="388967368" name="Slide Image Placeholder 1"/>
           <p:cNvSpPr>
-            <a:spLocks noChangeAspect="1" noGrp="1" noRot="1"/>
+            <a:spLocks noGrp="1" noRot="1" noChangeAspect="1"/>
           </p:cNvSpPr>
           <p:nvPr>
             <p:ph type="sldImg"/>
@@ -698,10 +720,8 @@
               <a:defRPr/>
             </a:pPr>
             <a:r>
-              <a:rPr/>
               <a:t>Dibagi 2</a:t>
             </a:r>
-            <a:endParaRPr/>
           </a:p>
         </p:txBody>
       </p:sp>
@@ -725,7 +745,7 @@
             </a:pPr>
             <a:fld id="{902C1287-88DF-1BCA-DD59-DC370B6E2E58}" type="slidenum">
               <a:rPr/>
-              <a:t/>
+              <a:t>3</a:t>
             </a:fld>
             <a:endParaRPr/>
           </a:p>
@@ -733,11 +753,14 @@
       </p:sp>
     </p:spTree>
   </p:cSld>
+  <p:clrMapOvr>
+    <a:masterClrMapping/>
+  </p:clrMapOvr>
 </p:notes>
 </file>
 
 <file path=ppt/slideLayouts/slideLayout1.xml><?xml version="1.0" encoding="utf-8"?>
-<p:sldLayout xmlns:a="http://schemas.openxmlformats.org/drawingml/2006/main" xmlns:r="http://schemas.openxmlformats.org/officeDocument/2006/relationships" xmlns:p="http://schemas.openxmlformats.org/presentationml/2006/main" xmlns:m="http://schemas.openxmlformats.org/officeDocument/2006/math" xmlns:w="http://schemas.openxmlformats.org/wordprocessingml/2006/main" matchingName="" preserve="1" showMasterPhAnim="0" type="title" userDrawn="1">
+<p:sldLayout xmlns:a="http://schemas.openxmlformats.org/drawingml/2006/main" xmlns:r="http://schemas.openxmlformats.org/officeDocument/2006/relationships" xmlns:p="http://schemas.openxmlformats.org/presentationml/2006/main" showMasterPhAnim="0" type="title" preserve="1" userDrawn="1">
   <p:cSld name="Title Slide">
     <p:spTree>
       <p:nvGrpSpPr>
@@ -894,7 +917,7 @@
                 </a:cxnLst>
                 <a:rect l="l" t="t" r="r" b="b"/>
                 <a:pathLst>
-                  <a:path w="12208298" h="6858000" fill="norm" stroke="1" extrusionOk="0">
+                  <a:path w="12208298" h="6858000" extrusionOk="0">
                     <a:moveTo>
                       <a:pt x="8574289" y="0"/>
                     </a:moveTo>
@@ -1042,7 +1065,7 @@
                 </a:cxnLst>
                 <a:rect l="l" t="t" r="r" b="b"/>
                 <a:pathLst>
-                  <a:path w="6858000" h="12192002" fill="norm" stroke="1" extrusionOk="0">
+                  <a:path w="6858000" h="12192002" extrusionOk="0">
                     <a:moveTo>
                       <a:pt x="6858000" y="3871658"/>
                     </a:moveTo>
@@ -1355,7 +1378,7 @@
                 </a:cxnLst>
                 <a:rect l="l" t="t" r="r" b="b"/>
                 <a:pathLst>
-                  <a:path w="6858000" h="12192002" fill="norm" stroke="1" extrusionOk="0">
+                  <a:path w="6858000" h="12192002" extrusionOk="0">
                     <a:moveTo>
                       <a:pt x="6858000" y="3871658"/>
                     </a:moveTo>
@@ -1469,7 +1492,7 @@
               </a:cxnLst>
               <a:rect l="l" t="t" r="r" b="b"/>
               <a:pathLst>
-                <a:path w="754341" h="754341" fill="norm" stroke="1" extrusionOk="0">
+                <a:path w="754341" h="754341" extrusionOk="0">
                   <a:moveTo>
                     <a:pt x="754341" y="754341"/>
                   </a:moveTo>
@@ -1560,7 +1583,7 @@
               </a:cxnLst>
               <a:rect l="l" t="t" r="r" b="b"/>
               <a:pathLst>
-                <a:path w="2676646" h="1356876" fill="norm" stroke="1" extrusionOk="0">
+                <a:path w="2676646" h="1356876" extrusionOk="0">
                   <a:moveTo>
                     <a:pt x="1319770" y="0"/>
                   </a:moveTo>
@@ -1654,7 +1677,7 @@
               </a:cxnLst>
               <a:rect l="l" t="t" r="r" b="b"/>
               <a:pathLst>
-                <a:path w="754341" h="754341" fill="norm" stroke="1" extrusionOk="0">
+                <a:path w="754341" h="754341" extrusionOk="0">
                   <a:moveTo>
                     <a:pt x="754341" y="754341"/>
                   </a:moveTo>
@@ -1762,7 +1785,7 @@
                 </a:cxnLst>
                 <a:rect l="l" t="t" r="r" b="b"/>
                 <a:pathLst>
-                  <a:path w="754341" h="754341" fill="norm" stroke="1" extrusionOk="0">
+                  <a:path w="754341" h="754341" extrusionOk="0">
                     <a:moveTo>
                       <a:pt x="754341" y="754341"/>
                     </a:moveTo>
@@ -1848,7 +1871,7 @@
                 </a:cxnLst>
                 <a:rect l="l" t="t" r="r" b="b"/>
                 <a:pathLst>
-                  <a:path w="754341" h="754341" fill="norm" stroke="1" extrusionOk="0">
+                  <a:path w="754341" h="754341" extrusionOk="0">
                     <a:moveTo>
                       <a:pt x="754341" y="754341"/>
                     </a:moveTo>
@@ -1993,7 +2016,6 @@
               <a:rPr lang="en-US"/>
               <a:t>Click to edit Master subtitle style</a:t>
             </a:r>
-            <a:endParaRPr lang="en-US"/>
           </a:p>
         </p:txBody>
       </p:sp>
@@ -2006,13 +2028,14 @@
 </file>
 
 <file path=ppt/slideLayouts/slideLayout10.xml><?xml version="1.0" encoding="utf-8"?>
-<p:sldLayout xmlns:a="http://schemas.openxmlformats.org/drawingml/2006/main" xmlns:r="http://schemas.openxmlformats.org/officeDocument/2006/relationships" xmlns:p="http://schemas.openxmlformats.org/presentationml/2006/main" xmlns:m="http://schemas.openxmlformats.org/officeDocument/2006/math" xmlns:w="http://schemas.openxmlformats.org/wordprocessingml/2006/main" matchingName="" preserve="1" showMasterPhAnim="0" userDrawn="1">
+<p:sldLayout xmlns:a="http://schemas.openxmlformats.org/drawingml/2006/main" xmlns:r="http://schemas.openxmlformats.org/officeDocument/2006/relationships" xmlns:p="http://schemas.openxmlformats.org/presentationml/2006/main" showMasterPhAnim="0" preserve="1" userDrawn="1">
   <p:cSld name="Two Content">
     <p:bg>
-      <p:bgPr shadeToTitle="0">
+      <p:bgPr>
         <a:solidFill>
           <a:schemeClr val="accent2"/>
         </a:solidFill>
+        <a:effectLst/>
       </p:bgPr>
     </p:bg>
     <p:spTree>
@@ -2134,7 +2157,7 @@
             </a:cxnLst>
             <a:rect l="l" t="t" r="r" b="b"/>
             <a:pathLst>
-              <a:path w="12192001" h="6884191" fill="norm" stroke="1" extrusionOk="0">
+              <a:path w="12192001" h="6884191" extrusionOk="0">
                 <a:moveTo>
                   <a:pt x="0" y="0"/>
                 </a:moveTo>
@@ -2268,7 +2291,7 @@
             </a:cxnLst>
             <a:rect l="l" t="t" r="r" b="b"/>
             <a:pathLst>
-              <a:path w="6862744" h="11591639" fill="norm" stroke="1" extrusionOk="0">
+              <a:path w="6862744" h="11591639" extrusionOk="0">
                 <a:moveTo>
                   <a:pt x="6862744" y="11591639"/>
                 </a:moveTo>
@@ -2416,7 +2439,7 @@
             </a:cxnLst>
             <a:rect l="l" t="t" r="r" b="b"/>
             <a:pathLst>
-              <a:path w="6849744" h="12192000" fill="norm" stroke="1" extrusionOk="0">
+              <a:path w="6849744" h="12192000" extrusionOk="0">
                 <a:moveTo>
                   <a:pt x="6849744" y="12192000"/>
                 </a:moveTo>
@@ -2562,7 +2585,7 @@
             </a:cxnLst>
             <a:rect l="l" t="t" r="r" b="b"/>
             <a:pathLst>
-              <a:path w="6849744" h="12192000" fill="norm" stroke="1" extrusionOk="0">
+              <a:path w="6849744" h="12192000" extrusionOk="0">
                 <a:moveTo>
                   <a:pt x="6849744" y="12192000"/>
                 </a:moveTo>
@@ -2672,7 +2695,6 @@
               <a:rPr lang="en-US"/>
               <a:t>Click to edit Master title style</a:t>
             </a:r>
-            <a:endParaRPr lang="en-US"/>
           </a:p>
         </p:txBody>
       </p:sp>
@@ -2725,7 +2747,7 @@
               </a:cxnLst>
               <a:rect l="l" t="t" r="r" b="b"/>
               <a:pathLst>
-                <a:path w="754341" h="754341" fill="norm" stroke="1" extrusionOk="0">
+                <a:path w="754341" h="754341" extrusionOk="0">
                   <a:moveTo>
                     <a:pt x="754341" y="754341"/>
                   </a:moveTo>
@@ -2811,7 +2833,7 @@
               </a:cxnLst>
               <a:rect l="l" t="t" r="r" b="b"/>
               <a:pathLst>
-                <a:path w="754341" h="754341" fill="norm" stroke="1" extrusionOk="0">
+                <a:path w="754341" h="754341" extrusionOk="0">
                   <a:moveTo>
                     <a:pt x="754341" y="754341"/>
                   </a:moveTo>
@@ -2933,7 +2955,9 @@
           </p:style>
           <p:txBody>
             <a:bodyPr rot="0" spcFirstLastPara="0" vertOverflow="overflow" horzOverflow="overflow" vert="horz" wrap="square" lIns="91440" tIns="45720" rIns="91440" bIns="45720" numCol="1" spcCol="0" rtlCol="0" fromWordArt="0" anchor="ctr" anchorCtr="0" forceAA="0" compatLnSpc="1">
-              <a:prstTxWarp prst="textNoShape"/>
+              <a:prstTxWarp prst="textNoShape">
+                <a:avLst/>
+              </a:prstTxWarp>
               <a:noAutofit/>
             </a:bodyPr>
             <a:lstStyle/>
@@ -3033,7 +3057,7 @@
             </a:cxnLst>
             <a:rect l="l" t="t" r="r" b="b"/>
             <a:pathLst>
-              <a:path w="754341" h="754341" fill="norm" stroke="1" extrusionOk="0">
+              <a:path w="754341" h="754341" extrusionOk="0">
                 <a:moveTo>
                   <a:pt x="754341" y="754341"/>
                 </a:moveTo>
@@ -3244,7 +3268,6 @@
               <a:rPr lang="en-US"/>
               <a:t>Fifth level</a:t>
             </a:r>
-            <a:endParaRPr lang="en-US"/>
           </a:p>
         </p:txBody>
       </p:sp>
@@ -3353,7 +3376,6 @@
               <a:rPr lang="en-US"/>
               <a:t>Fifth level</a:t>
             </a:r>
-            <a:endParaRPr lang="en-US"/>
           </a:p>
         </p:txBody>
       </p:sp>
@@ -3366,13 +3388,14 @@
 </file>
 
 <file path=ppt/slideLayouts/slideLayout11.xml><?xml version="1.0" encoding="utf-8"?>
-<p:sldLayout xmlns:a="http://schemas.openxmlformats.org/drawingml/2006/main" xmlns:r="http://schemas.openxmlformats.org/officeDocument/2006/relationships" xmlns:p="http://schemas.openxmlformats.org/presentationml/2006/main" xmlns:m="http://schemas.openxmlformats.org/officeDocument/2006/math" xmlns:w="http://schemas.openxmlformats.org/wordprocessingml/2006/main" matchingName="" preserve="1" showMasterPhAnim="0" userDrawn="1">
+<p:sldLayout xmlns:a="http://schemas.openxmlformats.org/drawingml/2006/main" xmlns:r="http://schemas.openxmlformats.org/officeDocument/2006/relationships" xmlns:p="http://schemas.openxmlformats.org/presentationml/2006/main" showMasterPhAnim="0" preserve="1" userDrawn="1">
   <p:cSld name="5 Category">
     <p:bg>
-      <p:bgPr shadeToTitle="0">
+      <p:bgPr>
         <a:solidFill>
           <a:schemeClr val="accent2"/>
         </a:solidFill>
+        <a:effectLst/>
       </p:bgPr>
     </p:bg>
     <p:spTree>
@@ -3494,7 +3517,7 @@
             </a:cxnLst>
             <a:rect l="l" t="t" r="r" b="b"/>
             <a:pathLst>
-              <a:path w="12192001" h="6884191" fill="norm" stroke="1" extrusionOk="0">
+              <a:path w="12192001" h="6884191" extrusionOk="0">
                 <a:moveTo>
                   <a:pt x="0" y="0"/>
                 </a:moveTo>
@@ -3628,7 +3651,7 @@
             </a:cxnLst>
             <a:rect l="l" t="t" r="r" b="b"/>
             <a:pathLst>
-              <a:path w="6862744" h="11591639" fill="norm" stroke="1" extrusionOk="0">
+              <a:path w="6862744" h="11591639" extrusionOk="0">
                 <a:moveTo>
                   <a:pt x="6862744" y="11591639"/>
                 </a:moveTo>
@@ -3776,7 +3799,7 @@
             </a:cxnLst>
             <a:rect l="l" t="t" r="r" b="b"/>
             <a:pathLst>
-              <a:path w="6849744" h="12192000" fill="norm" stroke="1" extrusionOk="0">
+              <a:path w="6849744" h="12192000" extrusionOk="0">
                 <a:moveTo>
                   <a:pt x="6849744" y="12192000"/>
                 </a:moveTo>
@@ -3922,7 +3945,7 @@
             </a:cxnLst>
             <a:rect l="l" t="t" r="r" b="b"/>
             <a:pathLst>
-              <a:path w="6849744" h="12192000" fill="norm" stroke="1" extrusionOk="0">
+              <a:path w="6849744" h="12192000" extrusionOk="0">
                 <a:moveTo>
                   <a:pt x="6849744" y="12192000"/>
                 </a:moveTo>
@@ -4032,7 +4055,6 @@
               <a:rPr lang="en-US"/>
               <a:t>Click to edit Master title style</a:t>
             </a:r>
-            <a:endParaRPr lang="en-US"/>
           </a:p>
         </p:txBody>
       </p:sp>
@@ -4085,7 +4107,7 @@
               </a:cxnLst>
               <a:rect l="l" t="t" r="r" b="b"/>
               <a:pathLst>
-                <a:path w="754341" h="754341" fill="norm" stroke="1" extrusionOk="0">
+                <a:path w="754341" h="754341" extrusionOk="0">
                   <a:moveTo>
                     <a:pt x="754341" y="754341"/>
                   </a:moveTo>
@@ -4171,7 +4193,7 @@
               </a:cxnLst>
               <a:rect l="l" t="t" r="r" b="b"/>
               <a:pathLst>
-                <a:path w="754341" h="754341" fill="norm" stroke="1" extrusionOk="0">
+                <a:path w="754341" h="754341" extrusionOk="0">
                   <a:moveTo>
                     <a:pt x="754341" y="754341"/>
                   </a:moveTo>
@@ -4411,7 +4433,6 @@
               <a:rPr lang="en-US"/>
               <a:t>Click icon to add picture</a:t>
             </a:r>
-            <a:endParaRPr lang="en-US"/>
           </a:p>
         </p:txBody>
       </p:sp>
@@ -4471,7 +4492,6 @@
               <a:rPr lang="en-US"/>
               <a:t>Click icon to add picture</a:t>
             </a:r>
-            <a:endParaRPr lang="en-US"/>
           </a:p>
         </p:txBody>
       </p:sp>
@@ -4531,7 +4551,6 @@
               <a:rPr lang="en-US"/>
               <a:t>Click icon to add picture</a:t>
             </a:r>
-            <a:endParaRPr lang="en-US"/>
           </a:p>
         </p:txBody>
       </p:sp>
@@ -4591,7 +4610,6 @@
               <a:rPr lang="en-US"/>
               <a:t>Click icon to add picture</a:t>
             </a:r>
-            <a:endParaRPr lang="en-US"/>
           </a:p>
         </p:txBody>
       </p:sp>
@@ -4651,7 +4669,6 @@
               <a:rPr lang="en-US"/>
               <a:t>Click icon to add picture</a:t>
             </a:r>
-            <a:endParaRPr lang="en-US"/>
           </a:p>
         </p:txBody>
       </p:sp>
@@ -5410,7 +5427,7 @@
             </a:cxnLst>
             <a:rect l="l" t="t" r="r" b="b"/>
             <a:pathLst>
-              <a:path w="754341" h="754341" fill="norm" stroke="1" extrusionOk="0">
+              <a:path w="754341" h="754341" extrusionOk="0">
                 <a:moveTo>
                   <a:pt x="754341" y="754341"/>
                 </a:moveTo>
@@ -5515,13 +5532,14 @@
 </file>
 
 <file path=ppt/slideLayouts/slideLayout12.xml><?xml version="1.0" encoding="utf-8"?>
-<p:sldLayout xmlns:a="http://schemas.openxmlformats.org/drawingml/2006/main" xmlns:r="http://schemas.openxmlformats.org/officeDocument/2006/relationships" xmlns:p="http://schemas.openxmlformats.org/presentationml/2006/main" xmlns:m="http://schemas.openxmlformats.org/officeDocument/2006/math" xmlns:w="http://schemas.openxmlformats.org/wordprocessingml/2006/main" matchingName="" preserve="1" showMasterPhAnim="0" userDrawn="1">
+<p:sldLayout xmlns:a="http://schemas.openxmlformats.org/drawingml/2006/main" xmlns:r="http://schemas.openxmlformats.org/officeDocument/2006/relationships" xmlns:p="http://schemas.openxmlformats.org/presentationml/2006/main" showMasterPhAnim="0" preserve="1" userDrawn="1">
   <p:cSld name="Photo + 3 Section">
     <p:bg>
-      <p:bgPr shadeToTitle="0">
+      <p:bgPr>
         <a:solidFill>
           <a:schemeClr val="accent2"/>
         </a:solidFill>
+        <a:effectLst/>
       </p:bgPr>
     </p:bg>
     <p:spTree>
@@ -5643,7 +5661,7 @@
             </a:cxnLst>
             <a:rect l="l" t="t" r="r" b="b"/>
             <a:pathLst>
-              <a:path w="12192001" h="6884191" fill="norm" stroke="1" extrusionOk="0">
+              <a:path w="12192001" h="6884191" extrusionOk="0">
                 <a:moveTo>
                   <a:pt x="0" y="0"/>
                 </a:moveTo>
@@ -5777,7 +5795,7 @@
             </a:cxnLst>
             <a:rect l="l" t="t" r="r" b="b"/>
             <a:pathLst>
-              <a:path w="6862744" h="11591639" fill="norm" stroke="1" extrusionOk="0">
+              <a:path w="6862744" h="11591639" extrusionOk="0">
                 <a:moveTo>
                   <a:pt x="6862744" y="11591639"/>
                 </a:moveTo>
@@ -5925,7 +5943,7 @@
             </a:cxnLst>
             <a:rect l="l" t="t" r="r" b="b"/>
             <a:pathLst>
-              <a:path w="6849744" h="12192000" fill="norm" stroke="1" extrusionOk="0">
+              <a:path w="6849744" h="12192000" extrusionOk="0">
                 <a:moveTo>
                   <a:pt x="6849744" y="12192000"/>
                 </a:moveTo>
@@ -6071,7 +6089,7 @@
             </a:cxnLst>
             <a:rect l="l" t="t" r="r" b="b"/>
             <a:pathLst>
-              <a:path w="6849744" h="12192000" fill="norm" stroke="1" extrusionOk="0">
+              <a:path w="6849744" h="12192000" extrusionOk="0">
                 <a:moveTo>
                   <a:pt x="6849744" y="12192000"/>
                 </a:moveTo>
@@ -6181,7 +6199,6 @@
               <a:rPr lang="en-US"/>
               <a:t>Click to edit Master title style</a:t>
             </a:r>
-            <a:endParaRPr lang="en-US"/>
           </a:p>
         </p:txBody>
       </p:sp>
@@ -6234,7 +6251,7 @@
               </a:cxnLst>
               <a:rect l="l" t="t" r="r" b="b"/>
               <a:pathLst>
-                <a:path w="754341" h="754341" fill="norm" stroke="1" extrusionOk="0">
+                <a:path w="754341" h="754341" extrusionOk="0">
                   <a:moveTo>
                     <a:pt x="754341" y="754341"/>
                   </a:moveTo>
@@ -6320,7 +6337,7 @@
               </a:cxnLst>
               <a:rect l="l" t="t" r="r" b="b"/>
               <a:pathLst>
-                <a:path w="754341" h="754341" fill="norm" stroke="1" extrusionOk="0">
+                <a:path w="754341" h="754341" extrusionOk="0">
                   <a:moveTo>
                     <a:pt x="754341" y="754341"/>
                   </a:moveTo>
@@ -6646,7 +6663,7 @@
             </a:cxnLst>
             <a:rect l="l" t="t" r="r" b="b"/>
             <a:pathLst>
-              <a:path w="754341" h="754341" fill="norm" stroke="1" extrusionOk="0">
+              <a:path w="754341" h="754341" extrusionOk="0">
                 <a:moveTo>
                   <a:pt x="754341" y="754341"/>
                 </a:moveTo>
@@ -7008,13 +7025,14 @@
 </file>
 
 <file path=ppt/slideLayouts/slideLayout13.xml><?xml version="1.0" encoding="utf-8"?>
-<p:sldLayout xmlns:a="http://schemas.openxmlformats.org/drawingml/2006/main" xmlns:r="http://schemas.openxmlformats.org/officeDocument/2006/relationships" xmlns:p="http://schemas.openxmlformats.org/presentationml/2006/main" xmlns:m="http://schemas.openxmlformats.org/officeDocument/2006/math" xmlns:w="http://schemas.openxmlformats.org/wordprocessingml/2006/main" matchingName="" preserve="1" showMasterPhAnim="0" userDrawn="1">
+<p:sldLayout xmlns:a="http://schemas.openxmlformats.org/drawingml/2006/main" xmlns:r="http://schemas.openxmlformats.org/officeDocument/2006/relationships" xmlns:p="http://schemas.openxmlformats.org/presentationml/2006/main" showMasterPhAnim="0" preserve="1" userDrawn="1">
   <p:cSld name="Photo + Text">
     <p:bg>
-      <p:bgPr shadeToTitle="0">
+      <p:bgPr>
         <a:solidFill>
           <a:schemeClr val="accent2"/>
         </a:solidFill>
+        <a:effectLst/>
       </p:bgPr>
     </p:bg>
     <p:spTree>
@@ -7136,7 +7154,7 @@
             </a:cxnLst>
             <a:rect l="l" t="t" r="r" b="b"/>
             <a:pathLst>
-              <a:path w="12192001" h="6884191" fill="norm" stroke="1" extrusionOk="0">
+              <a:path w="12192001" h="6884191" extrusionOk="0">
                 <a:moveTo>
                   <a:pt x="0" y="0"/>
                 </a:moveTo>
@@ -7270,7 +7288,7 @@
             </a:cxnLst>
             <a:rect l="l" t="t" r="r" b="b"/>
             <a:pathLst>
-              <a:path w="6862744" h="11591639" fill="norm" stroke="1" extrusionOk="0">
+              <a:path w="6862744" h="11591639" extrusionOk="0">
                 <a:moveTo>
                   <a:pt x="6862744" y="11591639"/>
                 </a:moveTo>
@@ -7418,7 +7436,7 @@
             </a:cxnLst>
             <a:rect l="l" t="t" r="r" b="b"/>
             <a:pathLst>
-              <a:path w="6849744" h="12192000" fill="norm" stroke="1" extrusionOk="0">
+              <a:path w="6849744" h="12192000" extrusionOk="0">
                 <a:moveTo>
                   <a:pt x="6849744" y="12192000"/>
                 </a:moveTo>
@@ -7564,7 +7582,7 @@
             </a:cxnLst>
             <a:rect l="l" t="t" r="r" b="b"/>
             <a:pathLst>
-              <a:path w="6849744" h="12192000" fill="norm" stroke="1" extrusionOk="0">
+              <a:path w="6849744" h="12192000" extrusionOk="0">
                 <a:moveTo>
                   <a:pt x="6849744" y="12192000"/>
                 </a:moveTo>
@@ -7674,7 +7692,6 @@
               <a:rPr lang="en-US"/>
               <a:t>Click to edit Master title style</a:t>
             </a:r>
-            <a:endParaRPr lang="en-US"/>
           </a:p>
         </p:txBody>
       </p:sp>
@@ -7727,7 +7744,7 @@
               </a:cxnLst>
               <a:rect l="l" t="t" r="r" b="b"/>
               <a:pathLst>
-                <a:path w="754341" h="754341" fill="norm" stroke="1" extrusionOk="0">
+                <a:path w="754341" h="754341" extrusionOk="0">
                   <a:moveTo>
                     <a:pt x="754341" y="754341"/>
                   </a:moveTo>
@@ -7813,7 +7830,7 @@
               </a:cxnLst>
               <a:rect l="l" t="t" r="r" b="b"/>
               <a:pathLst>
-                <a:path w="754341" h="754341" fill="norm" stroke="1" extrusionOk="0">
+                <a:path w="754341" h="754341" extrusionOk="0">
                   <a:moveTo>
                     <a:pt x="754341" y="754341"/>
                   </a:moveTo>
@@ -8139,7 +8156,7 @@
             </a:cxnLst>
             <a:rect l="l" t="t" r="r" b="b"/>
             <a:pathLst>
-              <a:path w="754341" h="754341" fill="norm" stroke="1" extrusionOk="0">
+              <a:path w="754341" h="754341" extrusionOk="0">
                 <a:moveTo>
                   <a:pt x="754341" y="754341"/>
                 </a:moveTo>
@@ -8287,13 +8304,14 @@
 </file>
 
 <file path=ppt/slideLayouts/slideLayout14.xml><?xml version="1.0" encoding="utf-8"?>
-<p:sldLayout xmlns:a="http://schemas.openxmlformats.org/drawingml/2006/main" xmlns:r="http://schemas.openxmlformats.org/officeDocument/2006/relationships" xmlns:p="http://schemas.openxmlformats.org/presentationml/2006/main" xmlns:m="http://schemas.openxmlformats.org/officeDocument/2006/math" xmlns:w="http://schemas.openxmlformats.org/wordprocessingml/2006/main" matchingName="" preserve="1" showMasterPhAnim="0" userDrawn="1">
+<p:sldLayout xmlns:a="http://schemas.openxmlformats.org/drawingml/2006/main" xmlns:r="http://schemas.openxmlformats.org/officeDocument/2006/relationships" xmlns:p="http://schemas.openxmlformats.org/presentationml/2006/main" showMasterPhAnim="0" preserve="1" userDrawn="1">
   <p:cSld name="Picture with Caption">
     <p:bg>
-      <p:bgPr shadeToTitle="0">
+      <p:bgPr>
         <a:solidFill>
           <a:schemeClr val="accent2"/>
         </a:solidFill>
+        <a:effectLst/>
       </p:bgPr>
     </p:bg>
     <p:spTree>
@@ -8415,7 +8433,7 @@
             </a:cxnLst>
             <a:rect l="l" t="t" r="r" b="b"/>
             <a:pathLst>
-              <a:path w="12192001" h="6884191" fill="norm" stroke="1" extrusionOk="0">
+              <a:path w="12192001" h="6884191" extrusionOk="0">
                 <a:moveTo>
                   <a:pt x="0" y="0"/>
                 </a:moveTo>
@@ -8549,7 +8567,7 @@
             </a:cxnLst>
             <a:rect l="l" t="t" r="r" b="b"/>
             <a:pathLst>
-              <a:path w="6862744" h="11591639" fill="norm" stroke="1" extrusionOk="0">
+              <a:path w="6862744" h="11591639" extrusionOk="0">
                 <a:moveTo>
                   <a:pt x="6862744" y="11591639"/>
                 </a:moveTo>
@@ -8697,7 +8715,7 @@
             </a:cxnLst>
             <a:rect l="l" t="t" r="r" b="b"/>
             <a:pathLst>
-              <a:path w="6849744" h="12192000" fill="norm" stroke="1" extrusionOk="0">
+              <a:path w="6849744" h="12192000" extrusionOk="0">
                 <a:moveTo>
                   <a:pt x="6849744" y="12192000"/>
                 </a:moveTo>
@@ -8843,7 +8861,7 @@
             </a:cxnLst>
             <a:rect l="l" t="t" r="r" b="b"/>
             <a:pathLst>
-              <a:path w="6849744" h="12192000" fill="norm" stroke="1" extrusionOk="0">
+              <a:path w="6849744" h="12192000" extrusionOk="0">
                 <a:moveTo>
                   <a:pt x="6849744" y="12192000"/>
                 </a:moveTo>
@@ -8953,7 +8971,6 @@
               <a:rPr lang="en-US"/>
               <a:t>Click to edit Master title style</a:t>
             </a:r>
-            <a:endParaRPr lang="en-US"/>
           </a:p>
         </p:txBody>
       </p:sp>
@@ -9006,7 +9023,7 @@
               </a:cxnLst>
               <a:rect l="l" t="t" r="r" b="b"/>
               <a:pathLst>
-                <a:path w="754341" h="754341" fill="norm" stroke="1" extrusionOk="0">
+                <a:path w="754341" h="754341" extrusionOk="0">
                   <a:moveTo>
                     <a:pt x="754341" y="754341"/>
                   </a:moveTo>
@@ -9092,7 +9109,7 @@
               </a:cxnLst>
               <a:rect l="l" t="t" r="r" b="b"/>
               <a:pathLst>
-                <a:path w="754341" h="754341" fill="norm" stroke="1" extrusionOk="0">
+                <a:path w="754341" h="754341" extrusionOk="0">
                   <a:moveTo>
                     <a:pt x="754341" y="754341"/>
                   </a:moveTo>
@@ -9311,7 +9328,7 @@
             </a:cxnLst>
             <a:rect l="l" t="t" r="r" b="b"/>
             <a:pathLst>
-              <a:path w="754341" h="754341" fill="norm" stroke="1" extrusionOk="0">
+              <a:path w="754341" h="754341" extrusionOk="0">
                 <a:moveTo>
                   <a:pt x="754341" y="754341"/>
                 </a:moveTo>
@@ -9477,7 +9494,6 @@
               <a:rPr lang="en-US"/>
               <a:t>Click icon to add picture</a:t>
             </a:r>
-            <a:endParaRPr lang="en-US"/>
           </a:p>
         </p:txBody>
       </p:sp>
@@ -9563,13 +9579,14 @@
 </file>
 
 <file path=ppt/slideLayouts/slideLayout15.xml><?xml version="1.0" encoding="utf-8"?>
-<p:sldLayout xmlns:a="http://schemas.openxmlformats.org/drawingml/2006/main" xmlns:r="http://schemas.openxmlformats.org/officeDocument/2006/relationships" xmlns:p="http://schemas.openxmlformats.org/presentationml/2006/main" xmlns:m="http://schemas.openxmlformats.org/officeDocument/2006/math" xmlns:w="http://schemas.openxmlformats.org/wordprocessingml/2006/main" matchingName="" preserve="1" showMasterPhAnim="0" userDrawn="1">
+<p:sldLayout xmlns:a="http://schemas.openxmlformats.org/drawingml/2006/main" xmlns:r="http://schemas.openxmlformats.org/officeDocument/2006/relationships" xmlns:p="http://schemas.openxmlformats.org/presentationml/2006/main" showMasterPhAnim="0" preserve="1" userDrawn="1">
   <p:cSld name="Content with Caption">
     <p:bg>
-      <p:bgPr shadeToTitle="0">
+      <p:bgPr>
         <a:solidFill>
           <a:schemeClr val="accent2"/>
         </a:solidFill>
+        <a:effectLst/>
       </p:bgPr>
     </p:bg>
     <p:spTree>
@@ -9691,7 +9708,7 @@
             </a:cxnLst>
             <a:rect l="l" t="t" r="r" b="b"/>
             <a:pathLst>
-              <a:path w="12192001" h="6884191" fill="norm" stroke="1" extrusionOk="0">
+              <a:path w="12192001" h="6884191" extrusionOk="0">
                 <a:moveTo>
                   <a:pt x="0" y="0"/>
                 </a:moveTo>
@@ -9825,7 +9842,7 @@
             </a:cxnLst>
             <a:rect l="l" t="t" r="r" b="b"/>
             <a:pathLst>
-              <a:path w="6862744" h="11591639" fill="norm" stroke="1" extrusionOk="0">
+              <a:path w="6862744" h="11591639" extrusionOk="0">
                 <a:moveTo>
                   <a:pt x="6862744" y="11591639"/>
                 </a:moveTo>
@@ -9973,7 +9990,7 @@
             </a:cxnLst>
             <a:rect l="l" t="t" r="r" b="b"/>
             <a:pathLst>
-              <a:path w="6849744" h="12192000" fill="norm" stroke="1" extrusionOk="0">
+              <a:path w="6849744" h="12192000" extrusionOk="0">
                 <a:moveTo>
                   <a:pt x="6849744" y="12192000"/>
                 </a:moveTo>
@@ -10119,7 +10136,7 @@
             </a:cxnLst>
             <a:rect l="l" t="t" r="r" b="b"/>
             <a:pathLst>
-              <a:path w="6849744" h="12192000" fill="norm" stroke="1" extrusionOk="0">
+              <a:path w="6849744" h="12192000" extrusionOk="0">
                 <a:moveTo>
                   <a:pt x="6849744" y="12192000"/>
                 </a:moveTo>
@@ -10229,7 +10246,6 @@
               <a:rPr lang="en-US"/>
               <a:t>Click to edit Master title style</a:t>
             </a:r>
-            <a:endParaRPr lang="en-US"/>
           </a:p>
         </p:txBody>
       </p:sp>
@@ -10282,7 +10298,7 @@
               </a:cxnLst>
               <a:rect l="l" t="t" r="r" b="b"/>
               <a:pathLst>
-                <a:path w="754341" h="754341" fill="norm" stroke="1" extrusionOk="0">
+                <a:path w="754341" h="754341" extrusionOk="0">
                   <a:moveTo>
                     <a:pt x="754341" y="754341"/>
                   </a:moveTo>
@@ -10368,7 +10384,7 @@
               </a:cxnLst>
               <a:rect l="l" t="t" r="r" b="b"/>
               <a:pathLst>
-                <a:path w="754341" h="754341" fill="norm" stroke="1" extrusionOk="0">
+                <a:path w="754341" h="754341" extrusionOk="0">
                   <a:moveTo>
                     <a:pt x="754341" y="754341"/>
                   </a:moveTo>
@@ -10587,7 +10603,7 @@
             </a:cxnLst>
             <a:rect l="l" t="t" r="r" b="b"/>
             <a:pathLst>
-              <a:path w="754341" h="754341" fill="norm" stroke="1" extrusionOk="0">
+              <a:path w="754341" h="754341" extrusionOk="0">
                 <a:moveTo>
                   <a:pt x="754341" y="754341"/>
                 </a:moveTo>
@@ -10873,7 +10889,6 @@
               <a:rPr lang="en-US"/>
               <a:t>Fifth level</a:t>
             </a:r>
-            <a:endParaRPr lang="en-US"/>
           </a:p>
         </p:txBody>
       </p:sp>
@@ -10886,7 +10901,7 @@
 </file>
 
 <file path=ppt/slideLayouts/slideLayout16.xml><?xml version="1.0" encoding="utf-8"?>
-<p:sldLayout xmlns:a="http://schemas.openxmlformats.org/drawingml/2006/main" xmlns:r="http://schemas.openxmlformats.org/officeDocument/2006/relationships" xmlns:p="http://schemas.openxmlformats.org/presentationml/2006/main" xmlns:m="http://schemas.openxmlformats.org/officeDocument/2006/math" xmlns:w="http://schemas.openxmlformats.org/wordprocessingml/2006/main" matchingName="" preserve="1" showMasterPhAnim="0" userDrawn="1">
+<p:sldLayout xmlns:a="http://schemas.openxmlformats.org/drawingml/2006/main" xmlns:r="http://schemas.openxmlformats.org/officeDocument/2006/relationships" xmlns:p="http://schemas.openxmlformats.org/presentationml/2006/main" showMasterPhAnim="0" preserve="1" userDrawn="1">
   <p:cSld name="Blank">
     <p:spTree>
       <p:nvGrpSpPr>
@@ -11007,7 +11022,7 @@
             </a:cxnLst>
             <a:rect l="l" t="t" r="r" b="b"/>
             <a:pathLst>
-              <a:path w="12192001" h="6884191" fill="norm" stroke="1" extrusionOk="0">
+              <a:path w="12192001" h="6884191" extrusionOk="0">
                 <a:moveTo>
                   <a:pt x="0" y="0"/>
                 </a:moveTo>
@@ -11141,7 +11156,7 @@
             </a:cxnLst>
             <a:rect l="l" t="t" r="r" b="b"/>
             <a:pathLst>
-              <a:path w="6862744" h="11591639" fill="norm" stroke="1" extrusionOk="0">
+              <a:path w="6862744" h="11591639" extrusionOk="0">
                 <a:moveTo>
                   <a:pt x="6862744" y="11591639"/>
                 </a:moveTo>
@@ -11289,7 +11304,7 @@
             </a:cxnLst>
             <a:rect l="l" t="t" r="r" b="b"/>
             <a:pathLst>
-              <a:path w="6849744" h="12192000" fill="norm" stroke="1" extrusionOk="0">
+              <a:path w="6849744" h="12192000" extrusionOk="0">
                 <a:moveTo>
                   <a:pt x="6849744" y="12192000"/>
                 </a:moveTo>
@@ -11435,7 +11450,7 @@
             </a:cxnLst>
             <a:rect l="l" t="t" r="r" b="b"/>
             <a:pathLst>
-              <a:path w="6849744" h="12192000" fill="norm" stroke="1" extrusionOk="0">
+              <a:path w="6849744" h="12192000" extrusionOk="0">
                 <a:moveTo>
                   <a:pt x="6849744" y="12192000"/>
                 </a:moveTo>
@@ -11556,7 +11571,7 @@
               </a:cxnLst>
               <a:rect l="l" t="t" r="r" b="b"/>
               <a:pathLst>
-                <a:path w="754341" h="754341" fill="norm" stroke="1" extrusionOk="0">
+                <a:path w="754341" h="754341" extrusionOk="0">
                   <a:moveTo>
                     <a:pt x="754341" y="754341"/>
                   </a:moveTo>
@@ -11642,7 +11657,7 @@
               </a:cxnLst>
               <a:rect l="l" t="t" r="r" b="b"/>
               <a:pathLst>
-                <a:path w="754341" h="754341" fill="norm" stroke="1" extrusionOk="0">
+                <a:path w="754341" h="754341" extrusionOk="0">
                   <a:moveTo>
                     <a:pt x="754341" y="754341"/>
                   </a:moveTo>
@@ -11737,7 +11752,7 @@
             </a:cxnLst>
             <a:rect l="l" t="t" r="r" b="b"/>
             <a:pathLst>
-              <a:path w="754341" h="754341" fill="norm" stroke="1" extrusionOk="0">
+              <a:path w="754341" h="754341" extrusionOk="0">
                 <a:moveTo>
                   <a:pt x="754341" y="754341"/>
                 </a:moveTo>
@@ -11842,7 +11857,7 @@
 </file>
 
 <file path=ppt/slideLayouts/slideLayout17.xml><?xml version="1.0" encoding="utf-8"?>
-<p:sldLayout xmlns:a="http://schemas.openxmlformats.org/drawingml/2006/main" xmlns:r="http://schemas.openxmlformats.org/officeDocument/2006/relationships" xmlns:p="http://schemas.openxmlformats.org/presentationml/2006/main" xmlns:m="http://schemas.openxmlformats.org/officeDocument/2006/math" xmlns:w="http://schemas.openxmlformats.org/wordprocessingml/2006/main" matchingName="" preserve="1" showMasterPhAnim="0" userDrawn="1">
+<p:sldLayout xmlns:a="http://schemas.openxmlformats.org/drawingml/2006/main" xmlns:r="http://schemas.openxmlformats.org/officeDocument/2006/relationships" xmlns:p="http://schemas.openxmlformats.org/presentationml/2006/main" showMasterPhAnim="0" preserve="1" userDrawn="1">
   <p:cSld name="Thank You 1">
     <p:spTree>
       <p:nvGrpSpPr>
@@ -11971,7 +11986,7 @@
             </a:cxnLst>
             <a:rect l="l" t="t" r="r" b="b"/>
             <a:pathLst>
-              <a:path w="12208298" h="6858000" fill="norm" stroke="1" extrusionOk="0">
+              <a:path w="12208298" h="6858000" extrusionOk="0">
                 <a:moveTo>
                   <a:pt x="8574289" y="0"/>
                 </a:moveTo>
@@ -12119,7 +12134,7 @@
             </a:cxnLst>
             <a:rect l="l" t="t" r="r" b="b"/>
             <a:pathLst>
-              <a:path w="6858000" h="12192002" fill="norm" stroke="1" extrusionOk="0">
+              <a:path w="6858000" h="12192002" extrusionOk="0">
                 <a:moveTo>
                   <a:pt x="6858000" y="3871658"/>
                 </a:moveTo>
@@ -12279,7 +12294,7 @@
             </a:cxnLst>
             <a:rect l="l" t="t" r="r" b="b"/>
             <a:pathLst>
-              <a:path w="6858000" h="12192002" fill="norm" stroke="1" extrusionOk="0">
+              <a:path w="6858000" h="12192002" extrusionOk="0">
                 <a:moveTo>
                   <a:pt x="6858000" y="3871658"/>
                 </a:moveTo>
@@ -12578,7 +12593,7 @@
 </file>
 
 <file path=ppt/slideLayouts/slideLayout18.xml><?xml version="1.0" encoding="utf-8"?>
-<p:sldLayout xmlns:a="http://schemas.openxmlformats.org/drawingml/2006/main" xmlns:r="http://schemas.openxmlformats.org/officeDocument/2006/relationships" xmlns:p="http://schemas.openxmlformats.org/presentationml/2006/main" xmlns:m="http://schemas.openxmlformats.org/officeDocument/2006/math" xmlns:w="http://schemas.openxmlformats.org/wordprocessingml/2006/main" matchingName="" preserve="1" showMasterPhAnim="0" userDrawn="1">
+<p:sldLayout xmlns:a="http://schemas.openxmlformats.org/drawingml/2006/main" xmlns:r="http://schemas.openxmlformats.org/officeDocument/2006/relationships" xmlns:p="http://schemas.openxmlformats.org/presentationml/2006/main" showMasterPhAnim="0" preserve="1" userDrawn="1">
   <p:cSld name="Thank You 2">
     <p:spTree>
       <p:nvGrpSpPr>
@@ -12707,7 +12722,7 @@
             </a:cxnLst>
             <a:rect l="l" t="t" r="r" b="b"/>
             <a:pathLst>
-              <a:path w="12208298" h="6858000" fill="norm" stroke="1" extrusionOk="0">
+              <a:path w="12208298" h="6858000" extrusionOk="0">
                 <a:moveTo>
                   <a:pt x="8574289" y="0"/>
                 </a:moveTo>
@@ -12855,7 +12870,7 @@
             </a:cxnLst>
             <a:rect l="l" t="t" r="r" b="b"/>
             <a:pathLst>
-              <a:path w="6858000" h="12192002" fill="norm" stroke="1" extrusionOk="0">
+              <a:path w="6858000" h="12192002" extrusionOk="0">
                 <a:moveTo>
                   <a:pt x="6858000" y="3871658"/>
                 </a:moveTo>
@@ -13015,7 +13030,7 @@
             </a:cxnLst>
             <a:rect l="l" t="t" r="r" b="b"/>
             <a:pathLst>
-              <a:path w="6858000" h="12192002" fill="norm" stroke="1" extrusionOk="0">
+              <a:path w="6858000" h="12192002" extrusionOk="0">
                 <a:moveTo>
                   <a:pt x="6858000" y="3871658"/>
                 </a:moveTo>
@@ -13182,7 +13197,7 @@
             </a:cxnLst>
             <a:rect l="l" t="t" r="r" b="b"/>
             <a:pathLst>
-              <a:path w="6043521" h="8427077" fill="norm" stroke="1" extrusionOk="0">
+              <a:path w="6043521" h="8427077" extrusionOk="0">
                 <a:moveTo>
                   <a:pt x="6043521" y="4267535"/>
                 </a:moveTo>
@@ -13286,7 +13301,7 @@
             </a:cxnLst>
             <a:rect l="l" t="t" r="r" b="b"/>
             <a:pathLst>
-              <a:path w="6043521" h="9008880" fill="norm" stroke="1" extrusionOk="0">
+              <a:path w="6043521" h="9008880" extrusionOk="0">
                 <a:moveTo>
                   <a:pt x="6043521" y="4849338"/>
                 </a:moveTo>
@@ -13398,7 +13413,7 @@
             </a:cxnLst>
             <a:rect l="l" t="t" r="r" b="b"/>
             <a:pathLst>
-              <a:path w="8639119" h="5739762" fill="norm" stroke="1" extrusionOk="0">
+              <a:path w="8639119" h="5739762" extrusionOk="0">
                 <a:moveTo>
                   <a:pt x="3789781" y="0"/>
                 </a:moveTo>
@@ -13467,7 +13482,7 @@
 </file>
 
 <file path=ppt/slideLayouts/slideLayout2.xml><?xml version="1.0" encoding="utf-8"?>
-<p:sldLayout xmlns:a="http://schemas.openxmlformats.org/drawingml/2006/main" xmlns:r="http://schemas.openxmlformats.org/officeDocument/2006/relationships" xmlns:p="http://schemas.openxmlformats.org/presentationml/2006/main" xmlns:m="http://schemas.openxmlformats.org/officeDocument/2006/math" xmlns:w="http://schemas.openxmlformats.org/wordprocessingml/2006/main" matchingName="" preserve="1" showMasterPhAnim="0" userDrawn="1">
+<p:sldLayout xmlns:a="http://schemas.openxmlformats.org/drawingml/2006/main" xmlns:r="http://schemas.openxmlformats.org/officeDocument/2006/relationships" xmlns:p="http://schemas.openxmlformats.org/presentationml/2006/main" showMasterPhAnim="0" preserve="1" userDrawn="1">
   <p:cSld name="Section Header">
     <p:spTree>
       <p:nvGrpSpPr>
@@ -13586,7 +13601,7 @@
             </a:cxnLst>
             <a:rect l="l" t="t" r="r" b="b"/>
             <a:pathLst>
-              <a:path w="12192000" h="6849743" fill="norm" stroke="1" extrusionOk="0">
+              <a:path w="12192000" h="6849743" extrusionOk="0">
                 <a:moveTo>
                   <a:pt x="0" y="0"/>
                 </a:moveTo>
@@ -13713,7 +13728,7 @@
             </a:cxnLst>
             <a:rect l="l" t="t" r="r" b="b"/>
             <a:pathLst>
-              <a:path w="6853871" h="12116353" fill="norm" stroke="1" extrusionOk="0">
+              <a:path w="6853871" h="12116353" extrusionOk="0">
                 <a:moveTo>
                   <a:pt x="6853871" y="12116353"/>
                 </a:moveTo>
@@ -13904,7 +13919,7 @@
             </a:cxnLst>
             <a:rect l="l" t="t" r="r" b="b"/>
             <a:pathLst>
-              <a:path w="6849744" h="12192000" fill="norm" stroke="1" extrusionOk="0">
+              <a:path w="6849744" h="12192000" extrusionOk="0">
                 <a:moveTo>
                   <a:pt x="6849744" y="12192000"/>
                 </a:moveTo>
@@ -14016,7 +14031,7 @@
             </a:cxnLst>
             <a:rect l="l" t="t" r="r" b="b"/>
             <a:pathLst>
-              <a:path w="4406148" h="5299239" fill="norm" stroke="1" extrusionOk="0">
+              <a:path w="4406148" h="5299239" extrusionOk="0">
                 <a:moveTo>
                   <a:pt x="0" y="0"/>
                 </a:moveTo>
@@ -14112,7 +14127,7 @@
             </a:cxnLst>
             <a:rect l="l" t="t" r="r" b="b"/>
             <a:pathLst>
-              <a:path w="5072180" h="4843502" fill="norm" stroke="1" extrusionOk="0">
+              <a:path w="5072180" h="4843502" extrusionOk="0">
                 <a:moveTo>
                   <a:pt x="5072180" y="4843501"/>
                 </a:moveTo>
@@ -14211,7 +14226,7 @@
             </a:cxnLst>
             <a:rect l="l" t="t" r="r" b="b"/>
             <a:pathLst>
-              <a:path w="877778" h="1755556" fill="norm" stroke="1" extrusionOk="0">
+              <a:path w="877778" h="1755556" extrusionOk="0">
                 <a:moveTo>
                   <a:pt x="0" y="0"/>
                 </a:moveTo>
@@ -14299,7 +14314,7 @@
             </a:cxnLst>
             <a:rect l="l" t="t" r="r" b="b"/>
             <a:pathLst>
-              <a:path w="2372348" h="1186174" fill="norm" stroke="1" extrusionOk="0">
+              <a:path w="2372348" h="1186174" extrusionOk="0">
                 <a:moveTo>
                   <a:pt x="2372348" y="1186174"/>
                 </a:moveTo>
@@ -14409,7 +14424,7 @@
               </a:cxnLst>
               <a:rect l="l" t="t" r="r" b="b"/>
               <a:pathLst>
-                <a:path w="754341" h="754341" fill="norm" stroke="1" extrusionOk="0">
+                <a:path w="754341" h="754341" extrusionOk="0">
                   <a:moveTo>
                     <a:pt x="754341" y="754341"/>
                   </a:moveTo>
@@ -14495,7 +14510,7 @@
               </a:cxnLst>
               <a:rect l="l" t="t" r="r" b="b"/>
               <a:pathLst>
-                <a:path w="754341" h="754341" fill="norm" stroke="1" extrusionOk="0">
+                <a:path w="754341" h="754341" extrusionOk="0">
                   <a:moveTo>
                     <a:pt x="754341" y="754341"/>
                   </a:moveTo>
@@ -14604,7 +14619,7 @@
               </a:cxnLst>
               <a:rect l="l" t="t" r="r" b="b"/>
               <a:pathLst>
-                <a:path w="754341" h="754341" fill="norm" stroke="1" extrusionOk="0">
+                <a:path w="754341" h="754341" extrusionOk="0">
                   <a:moveTo>
                     <a:pt x="754341" y="754341"/>
                   </a:moveTo>
@@ -14690,7 +14705,7 @@
               </a:cxnLst>
               <a:rect l="l" t="t" r="r" b="b"/>
               <a:pathLst>
-                <a:path w="754341" h="754341" fill="norm" stroke="1" extrusionOk="0">
+                <a:path w="754341" h="754341" extrusionOk="0">
                   <a:moveTo>
                     <a:pt x="754341" y="754341"/>
                   </a:moveTo>
@@ -14888,7 +14903,7 @@
 </file>
 
 <file path=ppt/slideLayouts/slideLayout3.xml><?xml version="1.0" encoding="utf-8"?>
-<p:sldLayout xmlns:a="http://schemas.openxmlformats.org/drawingml/2006/main" xmlns:r="http://schemas.openxmlformats.org/officeDocument/2006/relationships" xmlns:p="http://schemas.openxmlformats.org/presentationml/2006/main" xmlns:m="http://schemas.openxmlformats.org/officeDocument/2006/math" xmlns:w="http://schemas.openxmlformats.org/wordprocessingml/2006/main" matchingName="" preserve="1" showMasterPhAnim="0" type="secHead" userDrawn="1">
+<p:sldLayout xmlns:a="http://schemas.openxmlformats.org/drawingml/2006/main" xmlns:r="http://schemas.openxmlformats.org/officeDocument/2006/relationships" xmlns:p="http://schemas.openxmlformats.org/presentationml/2006/main" showMasterPhAnim="0" type="secHead" preserve="1" userDrawn="1">
   <p:cSld name="Alt Section Header">
     <p:spTree>
       <p:nvGrpSpPr>
@@ -15024,7 +15039,7 @@
             </a:cxnLst>
             <a:rect l="l" t="t" r="r" b="b"/>
             <a:pathLst>
-              <a:path w="6862743" h="11809733" fill="norm" stroke="1" extrusionOk="0">
+              <a:path w="6862743" h="11809733" extrusionOk="0">
                 <a:moveTo>
                   <a:pt x="6862743" y="11809733"/>
                 </a:moveTo>
@@ -15160,7 +15175,7 @@
             </a:cxnLst>
             <a:rect l="l" t="t" r="r" b="b"/>
             <a:pathLst>
-              <a:path w="6853871" h="12116353" fill="norm" stroke="1" extrusionOk="0">
+              <a:path w="6853871" h="12116353" extrusionOk="0">
                 <a:moveTo>
                   <a:pt x="6853871" y="12116353"/>
                 </a:moveTo>
@@ -15301,7 +15316,7 @@
             </a:cxnLst>
             <a:rect l="l" t="t" r="r" b="b"/>
             <a:pathLst>
-              <a:path w="6849744" h="12192000" fill="norm" stroke="1" extrusionOk="0">
+              <a:path w="6849744" h="12192000" extrusionOk="0">
                 <a:moveTo>
                   <a:pt x="6849744" y="12192000"/>
                 </a:moveTo>
@@ -15427,7 +15442,7 @@
               </a:cxnLst>
               <a:rect l="l" t="t" r="r" b="b"/>
               <a:pathLst>
-                <a:path w="4406148" h="5299239" fill="norm" stroke="1" extrusionOk="0">
+                <a:path w="4406148" h="5299239" extrusionOk="0">
                   <a:moveTo>
                     <a:pt x="0" y="0"/>
                   </a:moveTo>
@@ -15523,7 +15538,7 @@
               </a:cxnLst>
               <a:rect l="l" t="t" r="r" b="b"/>
               <a:pathLst>
-                <a:path w="5072180" h="4843502" fill="norm" stroke="1" extrusionOk="0">
+                <a:path w="5072180" h="4843502" extrusionOk="0">
                   <a:moveTo>
                     <a:pt x="5072180" y="4843501"/>
                   </a:moveTo>
@@ -15623,7 +15638,7 @@
             </a:cxnLst>
             <a:rect l="l" t="t" r="r" b="b"/>
             <a:pathLst>
-              <a:path w="877778" h="1755556" fill="norm" stroke="1" extrusionOk="0">
+              <a:path w="877778" h="1755556" extrusionOk="0">
                 <a:moveTo>
                   <a:pt x="0" y="0"/>
                 </a:moveTo>
@@ -15711,7 +15726,7 @@
             </a:cxnLst>
             <a:rect l="l" t="t" r="r" b="b"/>
             <a:pathLst>
-              <a:path w="2372348" h="1186174" fill="norm" stroke="1" extrusionOk="0">
+              <a:path w="2372348" h="1186174" extrusionOk="0">
                 <a:moveTo>
                   <a:pt x="2372348" y="1186174"/>
                 </a:moveTo>
@@ -15821,7 +15836,7 @@
               </a:cxnLst>
               <a:rect l="l" t="t" r="r" b="b"/>
               <a:pathLst>
-                <a:path w="754341" h="754341" fill="norm" stroke="1" extrusionOk="0">
+                <a:path w="754341" h="754341" extrusionOk="0">
                   <a:moveTo>
                     <a:pt x="754341" y="754341"/>
                   </a:moveTo>
@@ -15907,7 +15922,7 @@
               </a:cxnLst>
               <a:rect l="l" t="t" r="r" b="b"/>
               <a:pathLst>
-                <a:path w="754341" h="754341" fill="norm" stroke="1" extrusionOk="0">
+                <a:path w="754341" h="754341" extrusionOk="0">
                   <a:moveTo>
                     <a:pt x="754341" y="754341"/>
                   </a:moveTo>
@@ -16105,7 +16120,7 @@
 </file>
 
 <file path=ppt/slideLayouts/slideLayout4.xml><?xml version="1.0" encoding="utf-8"?>
-<p:sldLayout xmlns:a="http://schemas.openxmlformats.org/drawingml/2006/main" xmlns:r="http://schemas.openxmlformats.org/officeDocument/2006/relationships" xmlns:p="http://schemas.openxmlformats.org/presentationml/2006/main" xmlns:m="http://schemas.openxmlformats.org/officeDocument/2006/math" xmlns:w="http://schemas.openxmlformats.org/wordprocessingml/2006/main" matchingName="" preserve="1" showMasterPhAnim="0" userDrawn="1">
+<p:sldLayout xmlns:a="http://schemas.openxmlformats.org/drawingml/2006/main" xmlns:r="http://schemas.openxmlformats.org/officeDocument/2006/relationships" xmlns:p="http://schemas.openxmlformats.org/presentationml/2006/main" showMasterPhAnim="0" preserve="1" userDrawn="1">
   <p:cSld name="Quote Slide">
     <p:spTree>
       <p:nvGrpSpPr>
@@ -16241,7 +16256,7 @@
             </a:cxnLst>
             <a:rect l="l" t="t" r="r" b="b"/>
             <a:pathLst>
-              <a:path w="6862743" h="11809733" fill="norm" stroke="1" extrusionOk="0">
+              <a:path w="6862743" h="11809733" extrusionOk="0">
                 <a:moveTo>
                   <a:pt x="6862743" y="11809733"/>
                 </a:moveTo>
@@ -16377,7 +16392,7 @@
             </a:cxnLst>
             <a:rect l="l" t="t" r="r" b="b"/>
             <a:pathLst>
-              <a:path w="6853871" h="12116353" fill="norm" stroke="1" extrusionOk="0">
+              <a:path w="6853871" h="12116353" extrusionOk="0">
                 <a:moveTo>
                   <a:pt x="6853871" y="12116353"/>
                 </a:moveTo>
@@ -16518,7 +16533,7 @@
             </a:cxnLst>
             <a:rect l="l" t="t" r="r" b="b"/>
             <a:pathLst>
-              <a:path w="6849744" h="12192000" fill="norm" stroke="1" extrusionOk="0">
+              <a:path w="6849744" h="12192000" extrusionOk="0">
                 <a:moveTo>
                   <a:pt x="6849744" y="12192000"/>
                 </a:moveTo>
@@ -16796,13 +16811,14 @@
 </file>
 
 <file path=ppt/slideLayouts/slideLayout5.xml><?xml version="1.0" encoding="utf-8"?>
-<p:sldLayout xmlns:a="http://schemas.openxmlformats.org/drawingml/2006/main" xmlns:r="http://schemas.openxmlformats.org/officeDocument/2006/relationships" xmlns:p="http://schemas.openxmlformats.org/presentationml/2006/main" xmlns:m="http://schemas.openxmlformats.org/officeDocument/2006/math" xmlns:w="http://schemas.openxmlformats.org/wordprocessingml/2006/main" matchingName="" preserve="1" showMasterPhAnim="0" userDrawn="1">
+<p:sldLayout xmlns:a="http://schemas.openxmlformats.org/drawingml/2006/main" xmlns:r="http://schemas.openxmlformats.org/officeDocument/2006/relationships" xmlns:p="http://schemas.openxmlformats.org/presentationml/2006/main" showMasterPhAnim="0" preserve="1" userDrawn="1">
   <p:cSld name="Title + Text">
     <p:bg>
-      <p:bgPr shadeToTitle="0">
+      <p:bgPr>
         <a:solidFill>
           <a:schemeClr val="accent2"/>
         </a:solidFill>
+        <a:effectLst/>
       </p:bgPr>
     </p:bg>
     <p:spTree>
@@ -16924,7 +16940,7 @@
             </a:cxnLst>
             <a:rect l="l" t="t" r="r" b="b"/>
             <a:pathLst>
-              <a:path w="12192001" h="6884191" fill="norm" stroke="1" extrusionOk="0">
+              <a:path w="12192001" h="6884191" extrusionOk="0">
                 <a:moveTo>
                   <a:pt x="0" y="0"/>
                 </a:moveTo>
@@ -17058,7 +17074,7 @@
             </a:cxnLst>
             <a:rect l="l" t="t" r="r" b="b"/>
             <a:pathLst>
-              <a:path w="6849744" h="12192000" fill="norm" stroke="1" extrusionOk="0">
+              <a:path w="6849744" h="12192000" extrusionOk="0">
                 <a:moveTo>
                   <a:pt x="6849744" y="12192000"/>
                 </a:moveTo>
@@ -17168,7 +17184,6 @@
               <a:rPr lang="en-US"/>
               <a:t>Click to edit Master title style</a:t>
             </a:r>
-            <a:endParaRPr lang="en-US"/>
           </a:p>
         </p:txBody>
       </p:sp>
@@ -17261,7 +17276,7 @@
               </a:cxnLst>
               <a:rect l="l" t="t" r="r" b="b"/>
               <a:pathLst>
-                <a:path w="754341" h="754341" fill="norm" stroke="1" extrusionOk="0">
+                <a:path w="754341" h="754341" extrusionOk="0">
                   <a:moveTo>
                     <a:pt x="754341" y="754341"/>
                   </a:moveTo>
@@ -17347,7 +17362,7 @@
               </a:cxnLst>
               <a:rect l="l" t="t" r="r" b="b"/>
               <a:pathLst>
-                <a:path w="754341" h="754341" fill="norm" stroke="1" extrusionOk="0">
+                <a:path w="754341" h="754341" extrusionOk="0">
                   <a:moveTo>
                     <a:pt x="754341" y="754341"/>
                   </a:moveTo>
@@ -17542,13 +17557,14 @@
 </file>
 
 <file path=ppt/slideLayouts/slideLayout6.xml><?xml version="1.0" encoding="utf-8"?>
-<p:sldLayout xmlns:a="http://schemas.openxmlformats.org/drawingml/2006/main" xmlns:r="http://schemas.openxmlformats.org/officeDocument/2006/relationships" xmlns:p="http://schemas.openxmlformats.org/presentationml/2006/main" xmlns:m="http://schemas.openxmlformats.org/officeDocument/2006/math" xmlns:w="http://schemas.openxmlformats.org/wordprocessingml/2006/main" matchingName="" preserve="1" showMasterPhAnim="0" userDrawn="1">
+<p:sldLayout xmlns:a="http://schemas.openxmlformats.org/drawingml/2006/main" xmlns:r="http://schemas.openxmlformats.org/officeDocument/2006/relationships" xmlns:p="http://schemas.openxmlformats.org/presentationml/2006/main" showMasterPhAnim="0" preserve="1" userDrawn="1">
   <p:cSld name="Title Only">
     <p:bg>
-      <p:bgPr shadeToTitle="0">
+      <p:bgPr>
         <a:solidFill>
           <a:schemeClr val="accent2"/>
         </a:solidFill>
+        <a:effectLst/>
       </p:bgPr>
     </p:bg>
     <p:spTree>
@@ -17670,7 +17686,7 @@
             </a:cxnLst>
             <a:rect l="l" t="t" r="r" b="b"/>
             <a:pathLst>
-              <a:path w="12192001" h="6884191" fill="norm" stroke="1" extrusionOk="0">
+              <a:path w="12192001" h="6884191" extrusionOk="0">
                 <a:moveTo>
                   <a:pt x="0" y="0"/>
                 </a:moveTo>
@@ -17804,7 +17820,7 @@
             </a:cxnLst>
             <a:rect l="l" t="t" r="r" b="b"/>
             <a:pathLst>
-              <a:path w="6862744" h="11591639" fill="norm" stroke="1" extrusionOk="0">
+              <a:path w="6862744" h="11591639" extrusionOk="0">
                 <a:moveTo>
                   <a:pt x="6862744" y="11591639"/>
                 </a:moveTo>
@@ -17952,7 +17968,7 @@
             </a:cxnLst>
             <a:rect l="l" t="t" r="r" b="b"/>
             <a:pathLst>
-              <a:path w="6849744" h="12192000" fill="norm" stroke="1" extrusionOk="0">
+              <a:path w="6849744" h="12192000" extrusionOk="0">
                 <a:moveTo>
                   <a:pt x="6849744" y="12192000"/>
                 </a:moveTo>
@@ -18098,7 +18114,7 @@
             </a:cxnLst>
             <a:rect l="l" t="t" r="r" b="b"/>
             <a:pathLst>
-              <a:path w="6849744" h="12192000" fill="norm" stroke="1" extrusionOk="0">
+              <a:path w="6849744" h="12192000" extrusionOk="0">
                 <a:moveTo>
                   <a:pt x="6849744" y="12192000"/>
                 </a:moveTo>
@@ -18208,7 +18224,6 @@
               <a:rPr lang="en-US"/>
               <a:t>Click to edit Master title style</a:t>
             </a:r>
-            <a:endParaRPr lang="en-US"/>
           </a:p>
         </p:txBody>
       </p:sp>
@@ -18261,7 +18276,7 @@
               </a:cxnLst>
               <a:rect l="l" t="t" r="r" b="b"/>
               <a:pathLst>
-                <a:path w="754341" h="754341" fill="norm" stroke="1" extrusionOk="0">
+                <a:path w="754341" h="754341" extrusionOk="0">
                   <a:moveTo>
                     <a:pt x="754341" y="754341"/>
                   </a:moveTo>
@@ -18347,7 +18362,7 @@
               </a:cxnLst>
               <a:rect l="l" t="t" r="r" b="b"/>
               <a:pathLst>
-                <a:path w="754341" h="754341" fill="norm" stroke="1" extrusionOk="0">
+                <a:path w="754341" h="754341" extrusionOk="0">
                   <a:moveTo>
                     <a:pt x="754341" y="754341"/>
                   </a:moveTo>
@@ -18469,7 +18484,9 @@
           </p:style>
           <p:txBody>
             <a:bodyPr rot="0" spcFirstLastPara="0" vertOverflow="overflow" horzOverflow="overflow" vert="horz" wrap="square" lIns="91440" tIns="45720" rIns="91440" bIns="45720" numCol="1" spcCol="0" rtlCol="0" fromWordArt="0" anchor="ctr" anchorCtr="0" forceAA="0" compatLnSpc="1">
-              <a:prstTxWarp prst="textNoShape"/>
+              <a:prstTxWarp prst="textNoShape">
+                <a:avLst/>
+              </a:prstTxWarp>
               <a:noAutofit/>
             </a:bodyPr>
             <a:lstStyle/>
@@ -18569,7 +18586,7 @@
             </a:cxnLst>
             <a:rect l="l" t="t" r="r" b="b"/>
             <a:pathLst>
-              <a:path w="754341" h="754341" fill="norm" stroke="1" extrusionOk="0">
+              <a:path w="754341" h="754341" extrusionOk="0">
                 <a:moveTo>
                   <a:pt x="754341" y="754341"/>
                 </a:moveTo>
@@ -18674,13 +18691,14 @@
 </file>
 
 <file path=ppt/slideLayouts/slideLayout7.xml><?xml version="1.0" encoding="utf-8"?>
-<p:sldLayout xmlns:a="http://schemas.openxmlformats.org/drawingml/2006/main" xmlns:r="http://schemas.openxmlformats.org/officeDocument/2006/relationships" xmlns:p="http://schemas.openxmlformats.org/presentationml/2006/main" xmlns:m="http://schemas.openxmlformats.org/officeDocument/2006/math" xmlns:w="http://schemas.openxmlformats.org/wordprocessingml/2006/main" matchingName="" preserve="1" showMasterPhAnim="0" userDrawn="1">
+<p:sldLayout xmlns:a="http://schemas.openxmlformats.org/drawingml/2006/main" xmlns:r="http://schemas.openxmlformats.org/officeDocument/2006/relationships" xmlns:p="http://schemas.openxmlformats.org/presentationml/2006/main" showMasterPhAnim="0" preserve="1" userDrawn="1">
   <p:cSld name="1_Title Only">
     <p:bg>
-      <p:bgPr shadeToTitle="0">
+      <p:bgPr>
         <a:solidFill>
           <a:schemeClr val="accent2"/>
         </a:solidFill>
+        <a:effectLst/>
       </p:bgPr>
     </p:bg>
     <p:spTree>
@@ -18802,7 +18820,7 @@
             </a:cxnLst>
             <a:rect l="l" t="t" r="r" b="b"/>
             <a:pathLst>
-              <a:path w="12192001" h="6884191" fill="norm" stroke="1" extrusionOk="0">
+              <a:path w="12192001" h="6884191" extrusionOk="0">
                 <a:moveTo>
                   <a:pt x="0" y="0"/>
                 </a:moveTo>
@@ -18936,7 +18954,7 @@
             </a:cxnLst>
             <a:rect l="l" t="t" r="r" b="b"/>
             <a:pathLst>
-              <a:path w="6862744" h="11591639" fill="norm" stroke="1" extrusionOk="0">
+              <a:path w="6862744" h="11591639" extrusionOk="0">
                 <a:moveTo>
                   <a:pt x="6862744" y="11591639"/>
                 </a:moveTo>
@@ -19084,7 +19102,7 @@
             </a:cxnLst>
             <a:rect l="l" t="t" r="r" b="b"/>
             <a:pathLst>
-              <a:path w="6849744" h="12192000" fill="norm" stroke="1" extrusionOk="0">
+              <a:path w="6849744" h="12192000" extrusionOk="0">
                 <a:moveTo>
                   <a:pt x="6849744" y="12192000"/>
                 </a:moveTo>
@@ -19230,7 +19248,7 @@
             </a:cxnLst>
             <a:rect l="l" t="t" r="r" b="b"/>
             <a:pathLst>
-              <a:path w="6849744" h="12192000" fill="norm" stroke="1" extrusionOk="0">
+              <a:path w="6849744" h="12192000" extrusionOk="0">
                 <a:moveTo>
                   <a:pt x="6849744" y="12192000"/>
                 </a:moveTo>
@@ -19340,7 +19358,6 @@
               <a:rPr lang="en-US"/>
               <a:t>Click to edit Master title style</a:t>
             </a:r>
-            <a:endParaRPr lang="en-US"/>
           </a:p>
         </p:txBody>
       </p:sp>
@@ -19393,7 +19410,7 @@
               </a:cxnLst>
               <a:rect l="l" t="t" r="r" b="b"/>
               <a:pathLst>
-                <a:path w="754341" h="754341" fill="norm" stroke="1" extrusionOk="0">
+                <a:path w="754341" h="754341" extrusionOk="0">
                   <a:moveTo>
                     <a:pt x="754341" y="754341"/>
                   </a:moveTo>
@@ -19479,7 +19496,7 @@
               </a:cxnLst>
               <a:rect l="l" t="t" r="r" b="b"/>
               <a:pathLst>
-                <a:path w="754341" h="754341" fill="norm" stroke="1" extrusionOk="0">
+                <a:path w="754341" h="754341" extrusionOk="0">
                   <a:moveTo>
                     <a:pt x="754341" y="754341"/>
                   </a:moveTo>
@@ -19601,7 +19618,9 @@
           </p:style>
           <p:txBody>
             <a:bodyPr rot="0" spcFirstLastPara="0" vertOverflow="overflow" horzOverflow="overflow" vert="horz" wrap="square" lIns="91440" tIns="45720" rIns="91440" bIns="45720" numCol="1" spcCol="0" rtlCol="0" fromWordArt="0" anchor="ctr" anchorCtr="0" forceAA="0" compatLnSpc="1">
-              <a:prstTxWarp prst="textNoShape"/>
+              <a:prstTxWarp prst="textNoShape">
+                <a:avLst/>
+              </a:prstTxWarp>
               <a:noAutofit/>
             </a:bodyPr>
             <a:lstStyle/>
@@ -19701,7 +19720,7 @@
             </a:cxnLst>
             <a:rect l="l" t="t" r="r" b="b"/>
             <a:pathLst>
-              <a:path w="754341" h="754341" fill="norm" stroke="1" extrusionOk="0">
+              <a:path w="754341" h="754341" extrusionOk="0">
                 <a:moveTo>
                   <a:pt x="754341" y="754341"/>
                 </a:moveTo>
@@ -19848,13 +19867,14 @@
 </file>
 
 <file path=ppt/slideLayouts/slideLayout8.xml><?xml version="1.0" encoding="utf-8"?>
-<p:sldLayout xmlns:a="http://schemas.openxmlformats.org/drawingml/2006/main" xmlns:r="http://schemas.openxmlformats.org/officeDocument/2006/relationships" xmlns:p="http://schemas.openxmlformats.org/presentationml/2006/main" xmlns:m="http://schemas.openxmlformats.org/officeDocument/2006/math" xmlns:w="http://schemas.openxmlformats.org/wordprocessingml/2006/main" matchingName="" preserve="1" showMasterPhAnim="0" userDrawn="1">
+<p:sldLayout xmlns:a="http://schemas.openxmlformats.org/drawingml/2006/main" xmlns:r="http://schemas.openxmlformats.org/officeDocument/2006/relationships" xmlns:p="http://schemas.openxmlformats.org/presentationml/2006/main" showMasterPhAnim="0" preserve="1" userDrawn="1">
   <p:cSld name="Title and Content">
     <p:bg>
-      <p:bgPr shadeToTitle="0">
+      <p:bgPr>
         <a:solidFill>
           <a:schemeClr val="accent2"/>
         </a:solidFill>
+        <a:effectLst/>
       </p:bgPr>
     </p:bg>
     <p:spTree>
@@ -19976,7 +19996,7 @@
             </a:cxnLst>
             <a:rect l="l" t="t" r="r" b="b"/>
             <a:pathLst>
-              <a:path w="12192001" h="6884191" fill="norm" stroke="1" extrusionOk="0">
+              <a:path w="12192001" h="6884191" extrusionOk="0">
                 <a:moveTo>
                   <a:pt x="0" y="0"/>
                 </a:moveTo>
@@ -20110,7 +20130,7 @@
             </a:cxnLst>
             <a:rect l="l" t="t" r="r" b="b"/>
             <a:pathLst>
-              <a:path w="6862744" h="11591639" fill="norm" stroke="1" extrusionOk="0">
+              <a:path w="6862744" h="11591639" extrusionOk="0">
                 <a:moveTo>
                   <a:pt x="6862744" y="11591639"/>
                 </a:moveTo>
@@ -20258,7 +20278,7 @@
             </a:cxnLst>
             <a:rect l="l" t="t" r="r" b="b"/>
             <a:pathLst>
-              <a:path w="6849744" h="12192000" fill="norm" stroke="1" extrusionOk="0">
+              <a:path w="6849744" h="12192000" extrusionOk="0">
                 <a:moveTo>
                   <a:pt x="6849744" y="12192000"/>
                 </a:moveTo>
@@ -20404,7 +20424,7 @@
             </a:cxnLst>
             <a:rect l="l" t="t" r="r" b="b"/>
             <a:pathLst>
-              <a:path w="6849744" h="12192000" fill="norm" stroke="1" extrusionOk="0">
+              <a:path w="6849744" h="12192000" extrusionOk="0">
                 <a:moveTo>
                   <a:pt x="6849744" y="12192000"/>
                 </a:moveTo>
@@ -20514,7 +20534,6 @@
               <a:rPr lang="en-US"/>
               <a:t>Click to edit Master title style</a:t>
             </a:r>
-            <a:endParaRPr lang="en-US"/>
           </a:p>
         </p:txBody>
       </p:sp>
@@ -20567,7 +20586,7 @@
               </a:cxnLst>
               <a:rect l="l" t="t" r="r" b="b"/>
               <a:pathLst>
-                <a:path w="754341" h="754341" fill="norm" stroke="1" extrusionOk="0">
+                <a:path w="754341" h="754341" extrusionOk="0">
                   <a:moveTo>
                     <a:pt x="754341" y="754341"/>
                   </a:moveTo>
@@ -20653,7 +20672,7 @@
               </a:cxnLst>
               <a:rect l="l" t="t" r="r" b="b"/>
               <a:pathLst>
-                <a:path w="754341" h="754341" fill="norm" stroke="1" extrusionOk="0">
+                <a:path w="754341" h="754341" extrusionOk="0">
                   <a:moveTo>
                     <a:pt x="754341" y="754341"/>
                   </a:moveTo>
@@ -20775,7 +20794,9 @@
           </p:style>
           <p:txBody>
             <a:bodyPr rot="0" spcFirstLastPara="0" vertOverflow="overflow" horzOverflow="overflow" vert="horz" wrap="square" lIns="91440" tIns="45720" rIns="91440" bIns="45720" numCol="1" spcCol="0" rtlCol="0" fromWordArt="0" anchor="ctr" anchorCtr="0" forceAA="0" compatLnSpc="1">
-              <a:prstTxWarp prst="textNoShape"/>
+              <a:prstTxWarp prst="textNoShape">
+                <a:avLst/>
+              </a:prstTxWarp>
               <a:noAutofit/>
             </a:bodyPr>
             <a:lstStyle/>
@@ -20875,7 +20896,7 @@
             </a:cxnLst>
             <a:rect l="l" t="t" r="r" b="b"/>
             <a:pathLst>
-              <a:path w="754341" h="754341" fill="norm" stroke="1" extrusionOk="0">
+              <a:path w="754341" h="754341" extrusionOk="0">
                 <a:moveTo>
                   <a:pt x="754341" y="754341"/>
                 </a:moveTo>
@@ -21074,7 +21095,6 @@
               <a:rPr lang="en-US"/>
               <a:t>Fifth level</a:t>
             </a:r>
-            <a:endParaRPr lang="en-US"/>
           </a:p>
         </p:txBody>
       </p:sp>
@@ -21087,13 +21107,14 @@
 </file>
 
 <file path=ppt/slideLayouts/slideLayout9.xml><?xml version="1.0" encoding="utf-8"?>
-<p:sldLayout xmlns:a="http://schemas.openxmlformats.org/drawingml/2006/main" xmlns:r="http://schemas.openxmlformats.org/officeDocument/2006/relationships" xmlns:p="http://schemas.openxmlformats.org/presentationml/2006/main" xmlns:m="http://schemas.openxmlformats.org/officeDocument/2006/math" xmlns:w="http://schemas.openxmlformats.org/wordprocessingml/2006/main" matchingName="" preserve="1" showMasterPhAnim="0" userDrawn="1">
+<p:sldLayout xmlns:a="http://schemas.openxmlformats.org/drawingml/2006/main" xmlns:r="http://schemas.openxmlformats.org/officeDocument/2006/relationships" xmlns:p="http://schemas.openxmlformats.org/presentationml/2006/main" showMasterPhAnim="0" preserve="1" userDrawn="1">
   <p:cSld name="Comparison">
     <p:bg>
-      <p:bgPr shadeToTitle="0">
+      <p:bgPr>
         <a:solidFill>
           <a:schemeClr val="accent2"/>
         </a:solidFill>
+        <a:effectLst/>
       </p:bgPr>
     </p:bg>
     <p:spTree>
@@ -21215,7 +21236,7 @@
             </a:cxnLst>
             <a:rect l="l" t="t" r="r" b="b"/>
             <a:pathLst>
-              <a:path w="12192001" h="6884191" fill="norm" stroke="1" extrusionOk="0">
+              <a:path w="12192001" h="6884191" extrusionOk="0">
                 <a:moveTo>
                   <a:pt x="0" y="0"/>
                 </a:moveTo>
@@ -21349,7 +21370,7 @@
             </a:cxnLst>
             <a:rect l="l" t="t" r="r" b="b"/>
             <a:pathLst>
-              <a:path w="6862744" h="11591639" fill="norm" stroke="1" extrusionOk="0">
+              <a:path w="6862744" h="11591639" extrusionOk="0">
                 <a:moveTo>
                   <a:pt x="6862744" y="11591639"/>
                 </a:moveTo>
@@ -21497,7 +21518,7 @@
             </a:cxnLst>
             <a:rect l="l" t="t" r="r" b="b"/>
             <a:pathLst>
-              <a:path w="6849744" h="12192000" fill="norm" stroke="1" extrusionOk="0">
+              <a:path w="6849744" h="12192000" extrusionOk="0">
                 <a:moveTo>
                   <a:pt x="6849744" y="12192000"/>
                 </a:moveTo>
@@ -21643,7 +21664,7 @@
             </a:cxnLst>
             <a:rect l="l" t="t" r="r" b="b"/>
             <a:pathLst>
-              <a:path w="6849744" h="12192000" fill="norm" stroke="1" extrusionOk="0">
+              <a:path w="6849744" h="12192000" extrusionOk="0">
                 <a:moveTo>
                   <a:pt x="6849744" y="12192000"/>
                 </a:moveTo>
@@ -21753,7 +21774,6 @@
               <a:rPr lang="en-US"/>
               <a:t>Click to edit Master title style</a:t>
             </a:r>
-            <a:endParaRPr lang="en-US"/>
           </a:p>
         </p:txBody>
       </p:sp>
@@ -21806,7 +21826,7 @@
               </a:cxnLst>
               <a:rect l="l" t="t" r="r" b="b"/>
               <a:pathLst>
-                <a:path w="754341" h="754341" fill="norm" stroke="1" extrusionOk="0">
+                <a:path w="754341" h="754341" extrusionOk="0">
                   <a:moveTo>
                     <a:pt x="754341" y="754341"/>
                   </a:moveTo>
@@ -21892,7 +21912,7 @@
               </a:cxnLst>
               <a:rect l="l" t="t" r="r" b="b"/>
               <a:pathLst>
-                <a:path w="754341" h="754341" fill="norm" stroke="1" extrusionOk="0">
+                <a:path w="754341" h="754341" extrusionOk="0">
                   <a:moveTo>
                     <a:pt x="754341" y="754341"/>
                   </a:moveTo>
@@ -22014,7 +22034,9 @@
           </p:style>
           <p:txBody>
             <a:bodyPr rot="0" spcFirstLastPara="0" vertOverflow="overflow" horzOverflow="overflow" vert="horz" wrap="square" lIns="91440" tIns="45720" rIns="91440" bIns="45720" numCol="1" spcCol="0" rtlCol="0" fromWordArt="0" anchor="ctr" anchorCtr="0" forceAA="0" compatLnSpc="1">
-              <a:prstTxWarp prst="textNoShape"/>
+              <a:prstTxWarp prst="textNoShape">
+                <a:avLst/>
+              </a:prstTxWarp>
               <a:noAutofit/>
             </a:bodyPr>
             <a:lstStyle/>
@@ -22114,7 +22136,7 @@
             </a:cxnLst>
             <a:rect l="l" t="t" r="r" b="b"/>
             <a:pathLst>
-              <a:path w="754341" h="754341" fill="norm" stroke="1" extrusionOk="0">
+              <a:path w="754341" h="754341" extrusionOk="0">
                 <a:moveTo>
                   <a:pt x="754341" y="754341"/>
                 </a:moveTo>
@@ -22465,7 +22487,6 @@
               <a:rPr lang="en-US"/>
               <a:t>Fifth level</a:t>
             </a:r>
-            <a:endParaRPr lang="en-US"/>
           </a:p>
         </p:txBody>
       </p:sp>
@@ -22574,7 +22595,6 @@
               <a:rPr lang="en-US"/>
               <a:t>Fifth level</a:t>
             </a:r>
-            <a:endParaRPr lang="en-US"/>
           </a:p>
         </p:txBody>
       </p:sp>
@@ -22587,8 +22607,8 @@
 </file>
 
 <file path=ppt/slideMasters/slideMaster1.xml><?xml version="1.0" encoding="utf-8"?>
-<p:sldMaster xmlns:a="http://schemas.openxmlformats.org/drawingml/2006/main" xmlns:r="http://schemas.openxmlformats.org/officeDocument/2006/relationships" xmlns:p="http://schemas.openxmlformats.org/presentationml/2006/main" xmlns:m="http://schemas.openxmlformats.org/officeDocument/2006/math" xmlns:w="http://schemas.openxmlformats.org/wordprocessingml/2006/main" preserve="0">
-  <p:cSld name="">
+<p:sldMaster xmlns:a="http://schemas.openxmlformats.org/drawingml/2006/main" xmlns:r="http://schemas.openxmlformats.org/officeDocument/2006/relationships" xmlns:p="http://schemas.openxmlformats.org/presentationml/2006/main">
+  <p:cSld>
     <p:bg>
       <p:bgRef idx="1001">
         <a:schemeClr val="bg1"/>
@@ -22640,7 +22660,6 @@
               <a:rPr lang="en-US"/>
               <a:t>Click to edit Master title style</a:t>
             </a:r>
-            <a:endParaRPr lang="en-US"/>
           </a:p>
         </p:txBody>
       </p:sp>
@@ -22716,7 +22735,6 @@
               <a:rPr lang="en-US"/>
               <a:t>Fifth level</a:t>
             </a:r>
-            <a:endParaRPr lang="en-US"/>
           </a:p>
         </p:txBody>
       </p:sp>
@@ -22869,7 +22887,7 @@
             </a:cxnLst>
             <a:rect l="l" t="t" r="r" b="b"/>
             <a:pathLst>
-              <a:path w="12192001" h="6884191" fill="norm" stroke="1" extrusionOk="0">
+              <a:path w="12192001" h="6884191" extrusionOk="0">
                 <a:moveTo>
                   <a:pt x="0" y="0"/>
                 </a:moveTo>
@@ -23003,7 +23021,7 @@
             </a:cxnLst>
             <a:rect l="l" t="t" r="r" b="b"/>
             <a:pathLst>
-              <a:path w="6862744" h="11591639" fill="norm" stroke="1" extrusionOk="0">
+              <a:path w="6862744" h="11591639" extrusionOk="0">
                 <a:moveTo>
                   <a:pt x="6862744" y="11591639"/>
                 </a:moveTo>
@@ -23151,7 +23169,7 @@
             </a:cxnLst>
             <a:rect l="l" t="t" r="r" b="b"/>
             <a:pathLst>
-              <a:path w="6849744" h="12192000" fill="norm" stroke="1" extrusionOk="0">
+              <a:path w="6849744" h="12192000" extrusionOk="0">
                 <a:moveTo>
                   <a:pt x="6849744" y="12192000"/>
                 </a:moveTo>
@@ -23297,7 +23315,7 @@
             </a:cxnLst>
             <a:rect l="l" t="t" r="r" b="b"/>
             <a:pathLst>
-              <a:path w="6849744" h="12192000" fill="norm" stroke="1" extrusionOk="0">
+              <a:path w="6849744" h="12192000" extrusionOk="0">
                 <a:moveTo>
                   <a:pt x="6849744" y="12192000"/>
                 </a:moveTo>
@@ -23470,7 +23488,7 @@
               </a:cxnLst>
               <a:rect l="l" t="t" r="r" b="b"/>
               <a:pathLst>
-                <a:path w="754341" h="754341" fill="norm" stroke="1" extrusionOk="0">
+                <a:path w="754341" h="754341" extrusionOk="0">
                   <a:moveTo>
                     <a:pt x="754341" y="754341"/>
                   </a:moveTo>
@@ -23556,7 +23574,7 @@
               </a:cxnLst>
               <a:rect l="l" t="t" r="r" b="b"/>
               <a:pathLst>
-                <a:path w="754341" h="754341" fill="norm" stroke="1" extrusionOk="0">
+                <a:path w="754341" h="754341" extrusionOk="0">
                   <a:moveTo>
                     <a:pt x="754341" y="754341"/>
                   </a:moveTo>
@@ -23678,7 +23696,9 @@
           </p:style>
           <p:txBody>
             <a:bodyPr rot="0" spcFirstLastPara="0" vertOverflow="overflow" horzOverflow="overflow" vert="horz" wrap="square" lIns="91440" tIns="45720" rIns="91440" bIns="45720" numCol="1" spcCol="0" rtlCol="0" fromWordArt="0" anchor="ctr" anchorCtr="0" forceAA="0" compatLnSpc="1">
-              <a:prstTxWarp prst="textNoShape"/>
+              <a:prstTxWarp prst="textNoShape">
+                <a:avLst/>
+              </a:prstTxWarp>
               <a:noAutofit/>
             </a:bodyPr>
             <a:lstStyle/>
@@ -23778,7 +23798,7 @@
             </a:cxnLst>
             <a:rect l="l" t="t" r="r" b="b"/>
             <a:pathLst>
-              <a:path w="754341" h="754341" fill="norm" stroke="1" extrusionOk="0">
+              <a:path w="754341" h="754341" extrusionOk="0">
                 <a:moveTo>
                   <a:pt x="754341" y="754341"/>
                 </a:moveTo>
@@ -23981,7 +24001,7 @@
     <p:sldLayoutId id="2147483665" r:id="rId17"/>
     <p:sldLayoutId id="2147483666" r:id="rId18"/>
   </p:sldLayoutIdLst>
-  <p:hf dt="0" ftr="0" hdr="0" sldNum="1"/>
+  <p:hf hdr="0" ftr="0" dt="0"/>
   <p:txStyles>
     <p:titleStyle>
       <a:lvl1pPr algn="l" defTabSz="914400">
@@ -24281,13 +24301,14 @@
 </file>
 
 <file path=ppt/slides/slide1.xml><?xml version="1.0" encoding="utf-8"?>
-<p:sld xmlns:a="http://schemas.openxmlformats.org/drawingml/2006/main" xmlns:r="http://schemas.openxmlformats.org/officeDocument/2006/relationships" xmlns:p="http://schemas.openxmlformats.org/presentationml/2006/main" xmlns:m="http://schemas.openxmlformats.org/officeDocument/2006/math" xmlns:w="http://schemas.openxmlformats.org/wordprocessingml/2006/main" showMasterPhAnim="0" show="1">
-  <p:cSld name="">
+<p:sld xmlns:a="http://schemas.openxmlformats.org/drawingml/2006/main" xmlns:r="http://schemas.openxmlformats.org/officeDocument/2006/relationships" xmlns:p="http://schemas.openxmlformats.org/presentationml/2006/main" showMasterPhAnim="0">
+  <p:cSld>
     <p:bg>
-      <p:bgPr shadeToTitle="0">
+      <p:bgPr>
         <a:solidFill>
           <a:schemeClr val="accent2"/>
         </a:solidFill>
+        <a:effectLst/>
       </p:bgPr>
     </p:bg>
     <p:spTree>
@@ -24326,7 +24347,6 @@
               <a:rPr lang="en-US"/>
               <a:t>Kasir Sederhana</a:t>
             </a:r>
-            <a:endParaRPr lang="en-US"/>
           </a:p>
         </p:txBody>
       </p:sp>
@@ -24353,17 +24373,8 @@
             </a:pPr>
             <a:r>
               <a:rPr lang="en-US"/>
-              <a:t>Christophorus</a:t>
+              <a:t>Christophorus Jonathan Radit</a:t>
             </a:r>
-            <a:r>
-              <a:rPr lang="en-US"/>
-              <a:t> Jonathan </a:t>
-            </a:r>
-            <a:r>
-              <a:rPr lang="en-US"/>
-              <a:t>Radit</a:t>
-            </a:r>
-            <a:endParaRPr lang="en-US"/>
           </a:p>
           <a:p>
             <a:pPr marL="0" indent="0">
@@ -24374,7 +24385,6 @@
               <a:rPr lang="en-US"/>
               <a:t>23STI9015</a:t>
             </a:r>
-            <a:endParaRPr lang="en-US"/>
           </a:p>
         </p:txBody>
       </p:sp>
@@ -24383,13 +24393,13 @@
   <p:clrMapOvr>
     <a:masterClrMapping/>
   </p:clrMapOvr>
-  <mc:AlternateContent xmlns:mc="http://schemas.openxmlformats.org/markup-compatibility/2006">
-    <mc:Choice xmlns:p159="http://schemas.microsoft.com/office/powerpoint/2015/09/main" xmlns:p14="http://schemas.microsoft.com/office/powerpoint/2010/main" Requires="p159">
-      <p:transition spd="med" p14:dur="750" advClick="1">
-        <p:wipe dir="l"/>
+  <mc:AlternateContent xmlns:mc="http://schemas.openxmlformats.org/markup-compatibility/2006" xmlns:p159="http://schemas.microsoft.com/office/powerpoint/2015/09/main">
+    <mc:Choice Requires="p159">
+      <p:transition spd="med">
+        <p:wipe/>
       </p:transition>
     </mc:Choice>
-    <mc:Fallback>
+    <mc:Fallback xmlns:w="http://schemas.openxmlformats.org/wordprocessingml/2006/main" xmlns:m="http://schemas.openxmlformats.org/officeDocument/2006/math" xmlns="">
       <p:transition spd="med" advClick="1">
         <p:wipe dir="l"/>
       </p:transition>
@@ -24399,8 +24409,8 @@
 </file>
 
 <file path=ppt/slides/slide2.xml><?xml version="1.0" encoding="utf-8"?>
-<p:sld xmlns:a="http://schemas.openxmlformats.org/drawingml/2006/main" xmlns:r="http://schemas.openxmlformats.org/officeDocument/2006/relationships" xmlns:p="http://schemas.openxmlformats.org/presentationml/2006/main" xmlns:m="http://schemas.openxmlformats.org/officeDocument/2006/math" xmlns:w="http://schemas.openxmlformats.org/wordprocessingml/2006/main" showMasterPhAnim="0" show="1">
-  <p:cSld name="">
+<p:sld xmlns:a="http://schemas.openxmlformats.org/drawingml/2006/main" xmlns:r="http://schemas.openxmlformats.org/officeDocument/2006/relationships" xmlns:p="http://schemas.openxmlformats.org/presentationml/2006/main" showMasterPhAnim="0">
+  <p:cSld>
     <p:spTree>
       <p:nvGrpSpPr>
         <p:cNvPr id="1" name=""/>
@@ -24437,7 +24447,6 @@
               <a:rPr lang="en-US"/>
               <a:t>Screenshot</a:t>
             </a:r>
-            <a:endParaRPr lang="en-US"/>
           </a:p>
         </p:txBody>
       </p:sp>
@@ -24478,7 +24487,7 @@
           </p:nvPr>
         </p:nvSpPr>
         <p:spPr bwMode="auto">
-          <a:xfrm flipH="0" flipV="0">
+          <a:xfrm>
             <a:off x="444499" y="1681162"/>
             <a:ext cx="5607049" cy="411955"/>
           </a:xfrm>
@@ -24535,10 +24544,8 @@
               <a:defRPr/>
             </a:pPr>
             <a:r>
-              <a:rPr/>
               <a:t>Tambah Item</a:t>
             </a:r>
-            <a:endParaRPr/>
           </a:p>
         </p:txBody>
       </p:sp>
@@ -24553,7 +24560,7 @@
           </p:nvPr>
         </p:nvSpPr>
         <p:spPr bwMode="auto">
-          <a:xfrm flipH="0" flipV="0">
+          <a:xfrm>
             <a:off x="6051549" y="1681162"/>
             <a:ext cx="5607049" cy="411955"/>
           </a:xfrm>
@@ -24610,18 +24617,16 @@
               <a:defRPr/>
             </a:pPr>
             <a:r>
-              <a:rPr/>
               <a:t>Hapus Item</a:t>
             </a:r>
-            <a:endParaRPr/>
           </a:p>
         </p:txBody>
       </p:sp>
       <p:pic>
         <p:nvPicPr>
-          <p:cNvPr id="2018337174" name=""/>
+          <p:cNvPr id="2018337174" name="Content Placeholder 2018337173"/>
           <p:cNvPicPr>
-            <a:picLocks noChangeAspect="1"/>
+            <a:picLocks noGrp="1" noChangeAspect="1"/>
           </p:cNvPicPr>
           <p:nvPr>
             <p:ph sz="half" idx="2"/>
@@ -24629,12 +24634,13 @@
         </p:nvPicPr>
         <p:blipFill>
           <a:blip r:embed="rId3"/>
+          <a:srcRect/>
           <a:stretch/>
         </p:blipFill>
         <p:spPr bwMode="auto">
-          <a:xfrm rot="0">
-            <a:off x="2177963" y="2093118"/>
-            <a:ext cx="2140121" cy="4096542"/>
+          <a:xfrm>
+            <a:off x="2201429" y="2093118"/>
+            <a:ext cx="2093189" cy="4096542"/>
           </a:xfrm>
           <a:prstGeom prst="rect">
             <a:avLst/>
@@ -24643,9 +24649,9 @@
       </p:pic>
       <p:pic>
         <p:nvPicPr>
-          <p:cNvPr id="1431524500" name=""/>
+          <p:cNvPr id="1431524500" name="Content Placeholder 1431524499"/>
           <p:cNvPicPr>
-            <a:picLocks noChangeAspect="1"/>
+            <a:picLocks noGrp="1" noChangeAspect="1"/>
           </p:cNvPicPr>
           <p:nvPr>
             <p:ph sz="quarter" idx="4"/>
@@ -24653,12 +24659,13 @@
         </p:nvPicPr>
         <p:blipFill>
           <a:blip r:embed="rId4"/>
+          <a:srcRect/>
           <a:stretch/>
         </p:blipFill>
         <p:spPr bwMode="auto">
-          <a:xfrm rot="0">
-            <a:off x="7933748" y="2093118"/>
-            <a:ext cx="1842653" cy="4096542"/>
+          <a:xfrm>
+            <a:off x="7933748" y="2107977"/>
+            <a:ext cx="1842653" cy="4066824"/>
           </a:xfrm>
           <a:prstGeom prst="rect">
             <a:avLst/>
@@ -24670,20 +24677,12 @@
   <p:clrMapOvr>
     <a:masterClrMapping/>
   </p:clrMapOvr>
-  <mc:AlternateContent xmlns:mc="http://schemas.openxmlformats.org/markup-compatibility/2006">
-    <mc:Choice xmlns:p159="http://schemas.microsoft.com/office/powerpoint/2015/09/main" xmlns:p14="http://schemas.microsoft.com/office/powerpoint/2010/main" Requires="p159">
-      <p:transition p14:dur="2000" advClick="1"/>
-    </mc:Choice>
-    <mc:Fallback>
-      <p:transition advClick="1"/>
-    </mc:Fallback>
-  </mc:AlternateContent>
 </p:sld>
 </file>
 
 <file path=ppt/slides/slide3.xml><?xml version="1.0" encoding="utf-8"?>
-<p:sld xmlns:a="http://schemas.openxmlformats.org/drawingml/2006/main" xmlns:r="http://schemas.openxmlformats.org/officeDocument/2006/relationships" xmlns:p="http://schemas.openxmlformats.org/presentationml/2006/main" xmlns:m="http://schemas.openxmlformats.org/officeDocument/2006/math" xmlns:w="http://schemas.openxmlformats.org/wordprocessingml/2006/main" showMasterPhAnim="0" show="1">
-  <p:cSld name="">
+<p:sld xmlns:a="http://schemas.openxmlformats.org/drawingml/2006/main" xmlns:r="http://schemas.openxmlformats.org/officeDocument/2006/relationships" xmlns:p="http://schemas.openxmlformats.org/presentationml/2006/main" showMasterPhAnim="0">
+  <p:cSld>
     <p:spTree>
       <p:nvGrpSpPr>
         <p:cNvPr id="1" name=""/>
@@ -24720,7 +24719,6 @@
               <a:rPr lang="en-US"/>
               <a:t>Screenshot</a:t>
             </a:r>
-            <a:endParaRPr lang="en-US"/>
           </a:p>
         </p:txBody>
       </p:sp>
@@ -24744,7 +24742,7 @@
             </a:pPr>
             <a:fld id="{89167D16-62C8-38EC-CD7A-BA651E482E19}" type="slidenum">
               <a:rPr lang="en-US"/>
-              <a:t/>
+              <a:t>3</a:t>
             </a:fld>
             <a:endParaRPr lang="en-US"/>
           </a:p>
@@ -24761,7 +24759,7 @@
           </p:nvPr>
         </p:nvSpPr>
         <p:spPr bwMode="auto">
-          <a:xfrm flipH="0" flipV="0">
+          <a:xfrm>
             <a:off x="444499" y="1681162"/>
             <a:ext cx="11214099" cy="411955"/>
           </a:xfrm>
@@ -24818,18 +24816,16 @@
               <a:defRPr/>
             </a:pPr>
             <a:r>
-              <a:rPr/>
               <a:t>Kasir</a:t>
             </a:r>
-            <a:endParaRPr/>
           </a:p>
         </p:txBody>
       </p:sp>
       <p:pic>
         <p:nvPicPr>
-          <p:cNvPr id="1482483450" name=""/>
+          <p:cNvPr id="1482483450" name="Content Placeholder 1482483449"/>
           <p:cNvPicPr>
-            <a:picLocks noChangeAspect="1"/>
+            <a:picLocks noGrp="1" noChangeAspect="1"/>
           </p:cNvPicPr>
           <p:nvPr>
             <p:ph sz="half" idx="2"/>
@@ -24837,12 +24833,13 @@
         </p:nvPicPr>
         <p:blipFill>
           <a:blip r:embed="rId3"/>
+          <a:srcRect/>
           <a:stretch/>
         </p:blipFill>
         <p:spPr bwMode="auto">
-          <a:xfrm rot="0">
-            <a:off x="2138362" y="2350690"/>
-            <a:ext cx="2219324" cy="3581399"/>
+          <a:xfrm>
+            <a:off x="2228064" y="2350690"/>
+            <a:ext cx="2039920" cy="3581399"/>
           </a:xfrm>
           <a:prstGeom prst="rect">
             <a:avLst/>
@@ -24851,9 +24848,9 @@
       </p:pic>
       <p:pic>
         <p:nvPicPr>
-          <p:cNvPr id="696146420" name=""/>
+          <p:cNvPr id="696146420" name="Content Placeholder 696146419"/>
           <p:cNvPicPr>
-            <a:picLocks noChangeAspect="1"/>
+            <a:picLocks noGrp="1" noChangeAspect="1"/>
           </p:cNvPicPr>
           <p:nvPr>
             <p:ph sz="quarter" idx="4"/>
@@ -24861,12 +24858,13 @@
         </p:nvPicPr>
         <p:blipFill>
           <a:blip r:embed="rId4"/>
+          <a:srcRect/>
           <a:stretch/>
         </p:blipFill>
         <p:spPr bwMode="auto">
-          <a:xfrm rot="0">
-            <a:off x="7745412" y="2693590"/>
-            <a:ext cx="2219324" cy="2895599"/>
+          <a:xfrm>
+            <a:off x="7816231" y="2693590"/>
+            <a:ext cx="2077686" cy="2895599"/>
           </a:xfrm>
           <a:prstGeom prst="rect">
             <a:avLst/>
@@ -24878,19 +24876,11 @@
   <p:clrMapOvr>
     <a:masterClrMapping/>
   </p:clrMapOvr>
-  <mc:AlternateContent xmlns:mc="http://schemas.openxmlformats.org/markup-compatibility/2006">
-    <mc:Choice xmlns:p159="http://schemas.microsoft.com/office/powerpoint/2015/09/main" xmlns:p14="http://schemas.microsoft.com/office/powerpoint/2010/main" Requires="p159">
-      <p:transition p14:dur="2000" advClick="1"/>
-    </mc:Choice>
-    <mc:Fallback>
-      <p:transition advClick="1"/>
-    </mc:Fallback>
-  </mc:AlternateContent>
 </p:sld>
 </file>
 
 <file path=ppt/theme/theme1.xml><?xml version="1.0" encoding="utf-8"?>
-<a:theme xmlns:a="http://schemas.openxmlformats.org/drawingml/2006/main" xmlns:r="http://schemas.openxmlformats.org/officeDocument/2006/relationships" xmlns:p="http://schemas.openxmlformats.org/presentationml/2006/main" name="Office Theme">
+<a:theme xmlns:a="http://schemas.openxmlformats.org/drawingml/2006/main" name="Office Theme">
   <a:themeElements>
     <a:clrScheme name="Custom 12">
       <a:dk1>
@@ -25093,11 +25083,12 @@
     </a:fmtScheme>
   </a:themeElements>
   <a:objectDefaults/>
+  <a:extraClrSchemeLst/>
 </a:theme>
 </file>
 
 <file path=ppt/theme/theme2.xml><?xml version="1.0" encoding="utf-8"?>
-<a:theme xmlns:a="http://schemas.openxmlformats.org/drawingml/2006/main" xmlns:r="http://schemas.openxmlformats.org/officeDocument/2006/relationships" xmlns:p="http://schemas.openxmlformats.org/presentationml/2006/main" name="Office Theme">
+<a:theme xmlns:a="http://schemas.openxmlformats.org/drawingml/2006/main" name="Office Theme">
   <a:themeElements>
     <a:clrScheme name="Office">
       <a:dk1>
@@ -25300,5 +25291,6 @@
     </a:fmtScheme>
   </a:themeElements>
   <a:objectDefaults/>
+  <a:extraClrSchemeLst/>
 </a:theme>
 </file>